--- a/lectures/week4/lecture2/slides/week4_lecture2.pptx
+++ b/lectures/week4/lecture2/slides/week4_lecture2.pptx
@@ -17,7 +17,7 @@
     <p:sldId id="265" r:id="rId11"/>
     <p:sldId id="267" r:id="rId12"/>
     <p:sldId id="324" r:id="rId13"/>
-    <p:sldId id="260" r:id="rId14"/>
+    <p:sldId id="329" r:id="rId14"/>
   </p:sldIdLst>
   <p:sldSz cx="12192000" cy="6858000"/>
   <p:notesSz cx="6858000" cy="9144000"/>
@@ -2330,49 +2330,13 @@
         <p:spPr/>
         <p:txBody>
           <a:bodyPr>
-            <a:normAutofit fontScale="90000"/>
+            <a:normAutofit/>
           </a:bodyPr>
           <a:lstStyle/>
           <a:p>
             <a:r>
               <a:rPr lang="en-US" dirty="0"/>
-              <a:t>functions</a:t>
-            </a:r>
-            <a:r>
-              <a:rPr lang="en-US" dirty="0">
-                <a:solidFill>
-                  <a:schemeClr val="accent2"/>
-                </a:solidFill>
-              </a:rPr>
-              <a:t>,</a:t>
-            </a:r>
-            <a:r>
-              <a:rPr lang="en-US" dirty="0"/>
-              <a:t> input </a:t>
-            </a:r>
-            <a:r>
-              <a:rPr lang="en-US" dirty="0">
-                <a:solidFill>
-                  <a:schemeClr val="accent6"/>
-                </a:solidFill>
-              </a:rPr>
-              <a:t>&amp;</a:t>
-            </a:r>
-            <a:r>
-              <a:rPr lang="en-US" dirty="0"/>
-              <a:t> output</a:t>
-            </a:r>
-            <a:r>
-              <a:rPr lang="en-US" dirty="0">
-                <a:solidFill>
-                  <a:schemeClr val="accent2"/>
-                </a:solidFill>
-              </a:rPr>
-              <a:t>,</a:t>
-            </a:r>
-            <a:r>
-              <a:rPr lang="en-US" dirty="0"/>
-              <a:t> importing modules</a:t>
+              <a:t>more while loops</a:t>
             </a:r>
             <a:r>
               <a:rPr lang="en-US" dirty="0">
@@ -2440,7 +2404,7 @@
                   <a:schemeClr val="accent6"/>
                 </a:solidFill>
               </a:rPr>
-              <a:t>1 </a:t>
+              <a:t>2 </a:t>
             </a:r>
             <a:r>
               <a:rPr lang="en-US" dirty="0">
@@ -2468,7 +2432,7 @@
                   <a:schemeClr val="accent6"/>
                 </a:solidFill>
               </a:rPr>
-              <a:t>1</a:t>
+              <a:t>2</a:t>
             </a:r>
             <a:r>
               <a:rPr lang="en-US" dirty="0">
@@ -2484,7 +2448,7 @@
     </p:spTree>
     <p:extLst>
       <p:ext uri="{BB962C8B-B14F-4D97-AF65-F5344CB8AC3E}">
-        <p14:creationId xmlns:p14="http://schemas.microsoft.com/office/powerpoint/2010/main" val="72351482"/>
+        <p14:creationId xmlns:p14="http://schemas.microsoft.com/office/powerpoint/2010/main" val="3381914804"/>
       </p:ext>
     </p:extLst>
   </p:cSld>

--- a/lectures/week4/lecture2/slides/week4_lecture2.pptx
+++ b/lectures/week4/lecture2/slides/week4_lecture2.pptx
@@ -2586,19 +2586,7 @@
             </a:r>
             <a:r>
               <a:rPr lang="en-US" dirty="0"/>
-              <a:t> 9.6</a:t>
-            </a:r>
-            <a:r>
-              <a:rPr lang="en-US" dirty="0">
-                <a:solidFill>
-                  <a:schemeClr val="accent1"/>
-                </a:solidFill>
-              </a:rPr>
-              <a:t>,</a:t>
-            </a:r>
-            <a:r>
-              <a:rPr lang="en-US" dirty="0"/>
-              <a:t> 9.7</a:t>
+              <a:t> Chapter 9</a:t>
             </a:r>
           </a:p>
           <a:p>
@@ -2638,7 +2626,7 @@
             <a:pPr lvl="1"/>
             <a:r>
               <a:rPr lang="en-US" b="1" dirty="0"/>
-              <a:t>Reading: 9.6</a:t>
+              <a:t>Reading: Chapter 9</a:t>
             </a:r>
           </a:p>
           <a:p>
@@ -5364,7 +5352,27 @@
           <a:p>
             <a:r>
               <a:rPr lang="en-US" sz="3200" dirty="0"/>
-              <a:t>Inside the while loop, complete the missing code.</a:t>
+              <a:t>Inside the while loop</a:t>
+            </a:r>
+            <a:r>
+              <a:rPr lang="en-US" sz="3200" dirty="0">
+                <a:solidFill>
+                  <a:schemeClr val="accent3"/>
+                </a:solidFill>
+              </a:rPr>
+              <a:t>,</a:t>
+            </a:r>
+            <a:r>
+              <a:rPr lang="en-US" sz="3200" dirty="0"/>
+              <a:t> complete the missing code</a:t>
+            </a:r>
+            <a:r>
+              <a:rPr lang="en-US" sz="3200" dirty="0">
+                <a:solidFill>
+                  <a:schemeClr val="accent3"/>
+                </a:solidFill>
+              </a:rPr>
+              <a:t>.</a:t>
             </a:r>
           </a:p>
           <a:p>

--- a/lectures/week4/lecture2/slides/week4_lecture2.pptx
+++ b/lectures/week4/lecture2/slides/week4_lecture2.pptx
@@ -7,17 +7,16 @@
   <p:sldIdLst>
     <p:sldId id="256" r:id="rId2"/>
     <p:sldId id="259" r:id="rId3"/>
-    <p:sldId id="258" r:id="rId4"/>
-    <p:sldId id="261" r:id="rId5"/>
-    <p:sldId id="326" r:id="rId6"/>
-    <p:sldId id="325" r:id="rId7"/>
-    <p:sldId id="328" r:id="rId8"/>
-    <p:sldId id="327" r:id="rId9"/>
-    <p:sldId id="266" r:id="rId10"/>
-    <p:sldId id="265" r:id="rId11"/>
-    <p:sldId id="267" r:id="rId12"/>
-    <p:sldId id="324" r:id="rId13"/>
-    <p:sldId id="329" r:id="rId14"/>
+    <p:sldId id="261" r:id="rId4"/>
+    <p:sldId id="326" r:id="rId5"/>
+    <p:sldId id="325" r:id="rId6"/>
+    <p:sldId id="328" r:id="rId7"/>
+    <p:sldId id="327" r:id="rId8"/>
+    <p:sldId id="266" r:id="rId9"/>
+    <p:sldId id="265" r:id="rId10"/>
+    <p:sldId id="267" r:id="rId11"/>
+    <p:sldId id="324" r:id="rId12"/>
+    <p:sldId id="329" r:id="rId13"/>
   </p:sldIdLst>
   <p:sldSz cx="12192000" cy="6858000"/>
   <p:notesSz cx="6858000" cy="9144000"/>
@@ -1501,7 +1500,12 @@
             <p:ph type="title"/>
           </p:nvPr>
         </p:nvSpPr>
-        <p:spPr/>
+        <p:spPr>
+          <a:xfrm>
+            <a:off x="838200" y="727514"/>
+            <a:ext cx="10515600" cy="656148"/>
+          </a:xfrm>
+        </p:spPr>
         <p:txBody>
           <a:bodyPr>
             <a:normAutofit fontScale="90000"/>
@@ -1510,7 +1514,7 @@
           <a:p>
             <a:r>
               <a:rPr lang="en-US" b="1" dirty="0"/>
-              <a:t>While Loops</a:t>
+              <a:t>Guessing Game</a:t>
             </a:r>
           </a:p>
         </p:txBody>
@@ -1533,13 +1537,13 @@
         </p:nvSpPr>
         <p:spPr>
           <a:xfrm>
-            <a:off x="838201" y="1825624"/>
-            <a:ext cx="6416842" cy="4900029"/>
+            <a:off x="838200" y="1825624"/>
+            <a:ext cx="6862011" cy="4900029"/>
           </a:xfrm>
         </p:spPr>
         <p:txBody>
           <a:bodyPr>
-            <a:normAutofit/>
+            <a:normAutofit lnSpcReduction="10000"/>
           </a:bodyPr>
           <a:lstStyle/>
           <a:p>
@@ -1550,19 +1554,195 @@
             <a:r>
               <a:rPr lang="en-US" sz="3200" dirty="0">
                 <a:solidFill>
-                  <a:schemeClr val="accent2"/>
+                  <a:schemeClr val="accent1"/>
                 </a:solidFill>
               </a:rPr>
               <a:t>’</a:t>
             </a:r>
             <a:r>
               <a:rPr lang="en-US" sz="3200" dirty="0"/>
-              <a:t>s revisit our User Input code and see if the While Loop will solve out problem</a:t>
+              <a:t>s build a simple guessing game</a:t>
             </a:r>
             <a:r>
               <a:rPr lang="en-US" sz="3200" dirty="0">
                 <a:solidFill>
-                  <a:schemeClr val="accent2"/>
+                  <a:schemeClr val="accent1"/>
+                </a:solidFill>
+              </a:rPr>
+              <a:t>.</a:t>
+            </a:r>
+            <a:r>
+              <a:rPr lang="en-US" sz="3200" dirty="0"/>
+              <a:t> </a:t>
+            </a:r>
+            <a:endParaRPr lang="en-US" sz="3200" dirty="0">
+              <a:solidFill>
+                <a:schemeClr val="accent1"/>
+              </a:solidFill>
+            </a:endParaRPr>
+          </a:p>
+          <a:p>
+            <a:pPr lvl="1"/>
+            <a:r>
+              <a:rPr lang="en-US" sz="2800" dirty="0"/>
+              <a:t>Get the computer to choose a random integer from 0 to 100</a:t>
+            </a:r>
+            <a:r>
+              <a:rPr lang="en-US" sz="2800" dirty="0">
+                <a:solidFill>
+                  <a:schemeClr val="accent1"/>
+                </a:solidFill>
+              </a:rPr>
+              <a:t>.</a:t>
+            </a:r>
+          </a:p>
+          <a:p>
+            <a:pPr lvl="1"/>
+            <a:r>
+              <a:rPr lang="en-US" sz="2800" dirty="0"/>
+              <a:t>Ask the user for a guess and allow the user to input a guess or </a:t>
+            </a:r>
+            <a:r>
+              <a:rPr lang="en-US" sz="2800" dirty="0">
+                <a:solidFill>
+                  <a:schemeClr val="accent6"/>
+                </a:solidFill>
+              </a:rPr>
+              <a:t>"</a:t>
+            </a:r>
+            <a:r>
+              <a:rPr lang="en-US" sz="2800" dirty="0"/>
+              <a:t>q</a:t>
+            </a:r>
+            <a:r>
+              <a:rPr lang="en-US" sz="2800" dirty="0">
+                <a:solidFill>
+                  <a:schemeClr val="accent6"/>
+                </a:solidFill>
+              </a:rPr>
+              <a:t>“</a:t>
+            </a:r>
+            <a:r>
+              <a:rPr lang="en-US" sz="2800" dirty="0">
+                <a:solidFill>
+                  <a:schemeClr val="accent1"/>
+                </a:solidFill>
+              </a:rPr>
+              <a:t>.</a:t>
+            </a:r>
+          </a:p>
+          <a:p>
+            <a:pPr lvl="1"/>
+            <a:r>
+              <a:rPr lang="en-US" sz="2800" dirty="0"/>
+              <a:t>If the user inputs </a:t>
+            </a:r>
+            <a:r>
+              <a:rPr lang="en-US" sz="2800" dirty="0">
+                <a:solidFill>
+                  <a:schemeClr val="accent6"/>
+                </a:solidFill>
+              </a:rPr>
+              <a:t>"</a:t>
+            </a:r>
+            <a:r>
+              <a:rPr lang="en-US" sz="2800" dirty="0"/>
+              <a:t>q</a:t>
+            </a:r>
+            <a:r>
+              <a:rPr lang="en-US" sz="2800" dirty="0">
+                <a:solidFill>
+                  <a:schemeClr val="accent6"/>
+                </a:solidFill>
+              </a:rPr>
+              <a:t>"</a:t>
+            </a:r>
+            <a:r>
+              <a:rPr lang="en-US" sz="2800" dirty="0"/>
+              <a:t> print a nice message and end the program</a:t>
+            </a:r>
+            <a:r>
+              <a:rPr lang="en-US" sz="2800" dirty="0">
+                <a:solidFill>
+                  <a:schemeClr val="accent1"/>
+                </a:solidFill>
+              </a:rPr>
+              <a:t>.</a:t>
+            </a:r>
+          </a:p>
+          <a:p>
+            <a:pPr lvl="1"/>
+            <a:r>
+              <a:rPr lang="en-US" sz="2800" dirty="0"/>
+              <a:t>If the user enters a guess</a:t>
+            </a:r>
+            <a:r>
+              <a:rPr lang="en-US" sz="2800" dirty="0">
+                <a:solidFill>
+                  <a:schemeClr val="accent1"/>
+                </a:solidFill>
+              </a:rPr>
+              <a:t>,</a:t>
+            </a:r>
+            <a:r>
+              <a:rPr lang="en-US" sz="2800" dirty="0"/>
+              <a:t> tell them if they should guess higher</a:t>
+            </a:r>
+            <a:r>
+              <a:rPr lang="en-US" sz="2800" dirty="0">
+                <a:solidFill>
+                  <a:schemeClr val="accent1"/>
+                </a:solidFill>
+              </a:rPr>
+              <a:t>,</a:t>
+            </a:r>
+            <a:r>
+              <a:rPr lang="en-US" sz="2800" dirty="0"/>
+              <a:t> lower</a:t>
+            </a:r>
+            <a:r>
+              <a:rPr lang="en-US" sz="2800" dirty="0">
+                <a:solidFill>
+                  <a:schemeClr val="accent1"/>
+                </a:solidFill>
+              </a:rPr>
+              <a:t>,</a:t>
+            </a:r>
+            <a:r>
+              <a:rPr lang="en-US" sz="2800" dirty="0"/>
+              <a:t> or if they got it right</a:t>
+            </a:r>
+            <a:r>
+              <a:rPr lang="en-US" sz="2800" dirty="0">
+                <a:solidFill>
+                  <a:schemeClr val="accent1"/>
+                </a:solidFill>
+              </a:rPr>
+              <a:t>.</a:t>
+            </a:r>
+          </a:p>
+          <a:p>
+            <a:pPr lvl="1"/>
+            <a:r>
+              <a:rPr lang="en-US" sz="2800" dirty="0"/>
+              <a:t>If they got it right</a:t>
+            </a:r>
+            <a:r>
+              <a:rPr lang="en-US" sz="2800" dirty="0">
+                <a:solidFill>
+                  <a:schemeClr val="accent1"/>
+                </a:solidFill>
+              </a:rPr>
+              <a:t>,</a:t>
+            </a:r>
+            <a:r>
+              <a:rPr lang="en-US" sz="2800" dirty="0"/>
+              <a:t> print a nice message and quit</a:t>
+            </a:r>
+            <a:r>
+              <a:rPr lang="en-US" sz="2800" dirty="0">
+                <a:solidFill>
+                  <a:schemeClr val="accent1"/>
                 </a:solidFill>
               </a:rPr>
               <a:t>.</a:t>
@@ -1658,7 +1838,7 @@
                   <a:schemeClr val="accent6"/>
                 </a:solidFill>
               </a:rPr>
-              <a:t>3. </a:t>
+              <a:t>5. </a:t>
             </a:r>
             <a:r>
               <a:rPr lang="en-US" sz="2600" b="1" dirty="0">
@@ -1666,7 +1846,7 @@
                   <a:schemeClr val="accent6"/>
                 </a:solidFill>
               </a:rPr>
-              <a:t>Back to User Input</a:t>
+              <a:t>A Simple Guessing Game</a:t>
             </a:r>
           </a:p>
         </p:txBody>
@@ -1674,7 +1854,7 @@
     </p:spTree>
     <p:extLst>
       <p:ext uri="{BB962C8B-B14F-4D97-AF65-F5344CB8AC3E}">
-        <p14:creationId xmlns:p14="http://schemas.microsoft.com/office/powerpoint/2010/main" val="1582918149"/>
+        <p14:creationId xmlns:p14="http://schemas.microsoft.com/office/powerpoint/2010/main" val="1157149472"/>
       </p:ext>
     </p:extLst>
   </p:cSld>
@@ -1703,403 +1883,6 @@
       </p:grpSpPr>
       <p:sp>
         <p:nvSpPr>
-          <p:cNvPr id="2" name="Title 1">
-            <a:extLst>
-              <a:ext uri="{FF2B5EF4-FFF2-40B4-BE49-F238E27FC236}">
-                <a16:creationId xmlns:a16="http://schemas.microsoft.com/office/drawing/2014/main" id="{128C012E-E27C-4455-914A-F84B2E984449}"/>
-              </a:ext>
-            </a:extLst>
-          </p:cNvPr>
-          <p:cNvSpPr>
-            <a:spLocks noGrp="1"/>
-          </p:cNvSpPr>
-          <p:nvPr>
-            <p:ph type="title"/>
-          </p:nvPr>
-        </p:nvSpPr>
-        <p:spPr>
-          <a:xfrm>
-            <a:off x="838200" y="727514"/>
-            <a:ext cx="10515600" cy="656148"/>
-          </a:xfrm>
-        </p:spPr>
-        <p:txBody>
-          <a:bodyPr>
-            <a:normAutofit fontScale="90000"/>
-          </a:bodyPr>
-          <a:lstStyle/>
-          <a:p>
-            <a:r>
-              <a:rPr lang="en-US" b="1" dirty="0"/>
-              <a:t>Guessing Game</a:t>
-            </a:r>
-          </a:p>
-        </p:txBody>
-      </p:sp>
-      <p:sp>
-        <p:nvSpPr>
-          <p:cNvPr id="3" name="Content Placeholder 2">
-            <a:extLst>
-              <a:ext uri="{FF2B5EF4-FFF2-40B4-BE49-F238E27FC236}">
-                <a16:creationId xmlns:a16="http://schemas.microsoft.com/office/drawing/2014/main" id="{86B251CA-11BF-441F-8DAF-B316636B94DD}"/>
-              </a:ext>
-            </a:extLst>
-          </p:cNvPr>
-          <p:cNvSpPr>
-            <a:spLocks noGrp="1"/>
-          </p:cNvSpPr>
-          <p:nvPr>
-            <p:ph idx="1"/>
-          </p:nvPr>
-        </p:nvSpPr>
-        <p:spPr>
-          <a:xfrm>
-            <a:off x="838200" y="1825624"/>
-            <a:ext cx="6862011" cy="4900029"/>
-          </a:xfrm>
-        </p:spPr>
-        <p:txBody>
-          <a:bodyPr>
-            <a:normAutofit lnSpcReduction="10000"/>
-          </a:bodyPr>
-          <a:lstStyle/>
-          <a:p>
-            <a:r>
-              <a:rPr lang="en-US" sz="3200" dirty="0"/>
-              <a:t>Let</a:t>
-            </a:r>
-            <a:r>
-              <a:rPr lang="en-US" sz="3200" dirty="0">
-                <a:solidFill>
-                  <a:schemeClr val="accent1"/>
-                </a:solidFill>
-              </a:rPr>
-              <a:t>’</a:t>
-            </a:r>
-            <a:r>
-              <a:rPr lang="en-US" sz="3200" dirty="0"/>
-              <a:t>s build a simple guessing game</a:t>
-            </a:r>
-            <a:r>
-              <a:rPr lang="en-US" sz="3200" dirty="0">
-                <a:solidFill>
-                  <a:schemeClr val="accent1"/>
-                </a:solidFill>
-              </a:rPr>
-              <a:t>.</a:t>
-            </a:r>
-            <a:r>
-              <a:rPr lang="en-US" sz="3200" dirty="0"/>
-              <a:t> </a:t>
-            </a:r>
-            <a:endParaRPr lang="en-US" sz="3200" dirty="0">
-              <a:solidFill>
-                <a:schemeClr val="accent1"/>
-              </a:solidFill>
-            </a:endParaRPr>
-          </a:p>
-          <a:p>
-            <a:pPr lvl="1"/>
-            <a:r>
-              <a:rPr lang="en-US" sz="2800" dirty="0"/>
-              <a:t>Get the computer to choose a random integer from 0 to 100</a:t>
-            </a:r>
-            <a:r>
-              <a:rPr lang="en-US" sz="2800" dirty="0">
-                <a:solidFill>
-                  <a:schemeClr val="accent1"/>
-                </a:solidFill>
-              </a:rPr>
-              <a:t>.</a:t>
-            </a:r>
-          </a:p>
-          <a:p>
-            <a:pPr lvl="1"/>
-            <a:r>
-              <a:rPr lang="en-US" sz="2800" dirty="0"/>
-              <a:t>Ask the user for a guess and allow the user to input a guess or </a:t>
-            </a:r>
-            <a:r>
-              <a:rPr lang="en-US" sz="2800" dirty="0">
-                <a:solidFill>
-                  <a:schemeClr val="accent6"/>
-                </a:solidFill>
-              </a:rPr>
-              <a:t>"</a:t>
-            </a:r>
-            <a:r>
-              <a:rPr lang="en-US" sz="2800" dirty="0"/>
-              <a:t>q</a:t>
-            </a:r>
-            <a:r>
-              <a:rPr lang="en-US" sz="2800" dirty="0">
-                <a:solidFill>
-                  <a:schemeClr val="accent6"/>
-                </a:solidFill>
-              </a:rPr>
-              <a:t>“</a:t>
-            </a:r>
-            <a:r>
-              <a:rPr lang="en-US" sz="2800" dirty="0">
-                <a:solidFill>
-                  <a:schemeClr val="accent1"/>
-                </a:solidFill>
-              </a:rPr>
-              <a:t>.</a:t>
-            </a:r>
-          </a:p>
-          <a:p>
-            <a:pPr lvl="1"/>
-            <a:r>
-              <a:rPr lang="en-US" sz="2800" dirty="0"/>
-              <a:t>If the user inputs </a:t>
-            </a:r>
-            <a:r>
-              <a:rPr lang="en-US" sz="2800" dirty="0">
-                <a:solidFill>
-                  <a:schemeClr val="accent6"/>
-                </a:solidFill>
-              </a:rPr>
-              <a:t>"</a:t>
-            </a:r>
-            <a:r>
-              <a:rPr lang="en-US" sz="2800" dirty="0"/>
-              <a:t>q</a:t>
-            </a:r>
-            <a:r>
-              <a:rPr lang="en-US" sz="2800" dirty="0">
-                <a:solidFill>
-                  <a:schemeClr val="accent6"/>
-                </a:solidFill>
-              </a:rPr>
-              <a:t>"</a:t>
-            </a:r>
-            <a:r>
-              <a:rPr lang="en-US" sz="2800" dirty="0"/>
-              <a:t> print a nice message and end the program</a:t>
-            </a:r>
-            <a:r>
-              <a:rPr lang="en-US" sz="2800" dirty="0">
-                <a:solidFill>
-                  <a:schemeClr val="accent1"/>
-                </a:solidFill>
-              </a:rPr>
-              <a:t>.</a:t>
-            </a:r>
-          </a:p>
-          <a:p>
-            <a:pPr lvl="1"/>
-            <a:r>
-              <a:rPr lang="en-US" sz="2800" dirty="0"/>
-              <a:t>If the user enters a guess</a:t>
-            </a:r>
-            <a:r>
-              <a:rPr lang="en-US" sz="2800" dirty="0">
-                <a:solidFill>
-                  <a:schemeClr val="accent1"/>
-                </a:solidFill>
-              </a:rPr>
-              <a:t>,</a:t>
-            </a:r>
-            <a:r>
-              <a:rPr lang="en-US" sz="2800" dirty="0"/>
-              <a:t> tell them if they should guess higher</a:t>
-            </a:r>
-            <a:r>
-              <a:rPr lang="en-US" sz="2800" dirty="0">
-                <a:solidFill>
-                  <a:schemeClr val="accent1"/>
-                </a:solidFill>
-              </a:rPr>
-              <a:t>,</a:t>
-            </a:r>
-            <a:r>
-              <a:rPr lang="en-US" sz="2800" dirty="0"/>
-              <a:t> lower</a:t>
-            </a:r>
-            <a:r>
-              <a:rPr lang="en-US" sz="2800" dirty="0">
-                <a:solidFill>
-                  <a:schemeClr val="accent1"/>
-                </a:solidFill>
-              </a:rPr>
-              <a:t>,</a:t>
-            </a:r>
-            <a:r>
-              <a:rPr lang="en-US" sz="2800" dirty="0"/>
-              <a:t> or if they got it right</a:t>
-            </a:r>
-            <a:r>
-              <a:rPr lang="en-US" sz="2800" dirty="0">
-                <a:solidFill>
-                  <a:schemeClr val="accent1"/>
-                </a:solidFill>
-              </a:rPr>
-              <a:t>.</a:t>
-            </a:r>
-          </a:p>
-          <a:p>
-            <a:pPr lvl="1"/>
-            <a:r>
-              <a:rPr lang="en-US" sz="2800" dirty="0"/>
-              <a:t>If they got it right</a:t>
-            </a:r>
-            <a:r>
-              <a:rPr lang="en-US" sz="2800" dirty="0">
-                <a:solidFill>
-                  <a:schemeClr val="accent1"/>
-                </a:solidFill>
-              </a:rPr>
-              <a:t>,</a:t>
-            </a:r>
-            <a:r>
-              <a:rPr lang="en-US" sz="2800" dirty="0"/>
-              <a:t> print a nice message and quit</a:t>
-            </a:r>
-            <a:r>
-              <a:rPr lang="en-US" sz="2800" dirty="0">
-                <a:solidFill>
-                  <a:schemeClr val="accent1"/>
-                </a:solidFill>
-              </a:rPr>
-              <a:t>.</a:t>
-            </a:r>
-          </a:p>
-        </p:txBody>
-      </p:sp>
-      <p:sp>
-        <p:nvSpPr>
-          <p:cNvPr id="11" name="Rectangle: Rounded Corners 10">
-            <a:extLst>
-              <a:ext uri="{FF2B5EF4-FFF2-40B4-BE49-F238E27FC236}">
-                <a16:creationId xmlns:a16="http://schemas.microsoft.com/office/drawing/2014/main" id="{2AD12892-252D-47E8-9C1B-32729A13BC0B}"/>
-              </a:ext>
-            </a:extLst>
-          </p:cNvPr>
-          <p:cNvSpPr/>
-          <p:nvPr/>
-        </p:nvSpPr>
-        <p:spPr>
-          <a:xfrm>
-            <a:off x="7844590" y="1949006"/>
-            <a:ext cx="3958389" cy="4418765"/>
-          </a:xfrm>
-          <a:prstGeom prst="roundRect">
-            <a:avLst/>
-          </a:prstGeom>
-          <a:noFill/>
-          <a:ln w="76200">
-            <a:solidFill>
-              <a:schemeClr val="accent2"/>
-            </a:solidFill>
-          </a:ln>
-        </p:spPr>
-        <p:style>
-          <a:lnRef idx="2">
-            <a:schemeClr val="accent1">
-              <a:shade val="50000"/>
-            </a:schemeClr>
-          </a:lnRef>
-          <a:fillRef idx="1">
-            <a:schemeClr val="accent1"/>
-          </a:fillRef>
-          <a:effectRef idx="0">
-            <a:schemeClr val="accent1"/>
-          </a:effectRef>
-          <a:fontRef idx="minor">
-            <a:schemeClr val="lt1"/>
-          </a:fontRef>
-        </p:style>
-        <p:txBody>
-          <a:bodyPr rtlCol="0" anchor="ctr"/>
-          <a:lstStyle/>
-          <a:p>
-            <a:r>
-              <a:rPr lang="en-US" sz="4400" b="1" dirty="0">
-                <a:solidFill>
-                  <a:srgbClr val="FFFFFF"/>
-                </a:solidFill>
-              </a:rPr>
-              <a:t>Open your notebook</a:t>
-            </a:r>
-          </a:p>
-          <a:p>
-            <a:endParaRPr lang="en-US" sz="4400" b="1" dirty="0">
-              <a:solidFill>
-                <a:srgbClr val="FFFFFF"/>
-              </a:solidFill>
-            </a:endParaRPr>
-          </a:p>
-          <a:p>
-            <a:r>
-              <a:rPr lang="en-US" sz="2800" b="1" dirty="0">
-                <a:solidFill>
-                  <a:srgbClr val="FFFFFF"/>
-                </a:solidFill>
-              </a:rPr>
-              <a:t>Click Link</a:t>
-            </a:r>
-            <a:r>
-              <a:rPr lang="en-US" sz="2800" b="1" dirty="0">
-                <a:solidFill>
-                  <a:schemeClr val="accent6"/>
-                </a:solidFill>
-              </a:rPr>
-              <a:t>:</a:t>
-            </a:r>
-          </a:p>
-          <a:p>
-            <a:r>
-              <a:rPr lang="en-US" sz="2800" b="1" dirty="0">
-                <a:solidFill>
-                  <a:schemeClr val="accent6"/>
-                </a:solidFill>
-              </a:rPr>
-              <a:t>5. </a:t>
-            </a:r>
-            <a:r>
-              <a:rPr lang="en-US" sz="2600" b="1" dirty="0">
-                <a:solidFill>
-                  <a:schemeClr val="accent6"/>
-                </a:solidFill>
-              </a:rPr>
-              <a:t>A Simple Guessing Game</a:t>
-            </a:r>
-          </a:p>
-        </p:txBody>
-      </p:sp>
-    </p:spTree>
-    <p:extLst>
-      <p:ext uri="{BB962C8B-B14F-4D97-AF65-F5344CB8AC3E}">
-        <p14:creationId xmlns:p14="http://schemas.microsoft.com/office/powerpoint/2010/main" val="1157149472"/>
-      </p:ext>
-    </p:extLst>
-  </p:cSld>
-  <p:clrMapOvr>
-    <a:masterClrMapping/>
-  </p:clrMapOvr>
-</p:sld>
-</file>
-
-<file path=ppt/slides/slide12.xml><?xml version="1.0" encoding="utf-8"?>
-<p:sld xmlns:a="http://schemas.openxmlformats.org/drawingml/2006/main" xmlns:r="http://schemas.openxmlformats.org/officeDocument/2006/relationships" xmlns:p="http://schemas.openxmlformats.org/presentationml/2006/main">
-  <p:cSld>
-    <p:spTree>
-      <p:nvGrpSpPr>
-        <p:cNvPr id="1" name=""/>
-        <p:cNvGrpSpPr/>
-        <p:nvPr/>
-      </p:nvGrpSpPr>
-      <p:grpSpPr>
-        <a:xfrm>
-          <a:off x="0" y="0"/>
-          <a:ext cx="0" cy="0"/>
-          <a:chOff x="0" y="0"/>
-          <a:chExt cx="0" cy="0"/>
-        </a:xfrm>
-      </p:grpSpPr>
-      <p:sp>
-        <p:nvSpPr>
           <p:cNvPr id="4" name="Title 3">
             <a:extLst>
               <a:ext uri="{FF2B5EF4-FFF2-40B4-BE49-F238E27FC236}">
@@ -2294,7 +2077,7 @@
 </p:sld>
 </file>
 
-<file path=ppt/slides/slide13.xml><?xml version="1.0" encoding="utf-8"?>
+<file path=ppt/slides/slide12.xml><?xml version="1.0" encoding="utf-8"?>
 <p:sld xmlns:a="http://schemas.openxmlformats.org/drawingml/2006/main" xmlns:r="http://schemas.openxmlformats.org/officeDocument/2006/relationships" xmlns:p="http://schemas.openxmlformats.org/presentationml/2006/main">
   <p:cSld>
     <p:spTree>
@@ -2706,112 +2489,6 @@
           <p:cNvPr id="2" name="Title 1">
             <a:extLst>
               <a:ext uri="{FF2B5EF4-FFF2-40B4-BE49-F238E27FC236}">
-                <a16:creationId xmlns:a16="http://schemas.microsoft.com/office/drawing/2014/main" id="{8969A57B-21DC-4557-9D2E-36BBF1E923C9}"/>
-              </a:ext>
-            </a:extLst>
-          </p:cNvPr>
-          <p:cNvSpPr>
-            <a:spLocks noGrp="1"/>
-          </p:cNvSpPr>
-          <p:nvPr>
-            <p:ph type="title"/>
-          </p:nvPr>
-        </p:nvSpPr>
-        <p:spPr/>
-        <p:txBody>
-          <a:bodyPr>
-            <a:normAutofit fontScale="90000"/>
-          </a:bodyPr>
-          <a:lstStyle/>
-          <a:p>
-            <a:r>
-              <a:rPr lang="en-US" b="1" dirty="0"/>
-              <a:t>Today</a:t>
-            </a:r>
-            <a:r>
-              <a:rPr lang="en-US" b="1" dirty="0">
-                <a:solidFill>
-                  <a:schemeClr val="accent1"/>
-                </a:solidFill>
-              </a:rPr>
-              <a:t>’</a:t>
-            </a:r>
-            <a:r>
-              <a:rPr lang="en-US" b="1" dirty="0"/>
-              <a:t>s Content</a:t>
-            </a:r>
-          </a:p>
-        </p:txBody>
-      </p:sp>
-      <p:sp>
-        <p:nvSpPr>
-          <p:cNvPr id="3" name="Content Placeholder 2">
-            <a:extLst>
-              <a:ext uri="{FF2B5EF4-FFF2-40B4-BE49-F238E27FC236}">
-                <a16:creationId xmlns:a16="http://schemas.microsoft.com/office/drawing/2014/main" id="{7AB50049-8F6C-4DF3-BA59-31343B218CF3}"/>
-              </a:ext>
-            </a:extLst>
-          </p:cNvPr>
-          <p:cNvSpPr>
-            <a:spLocks noGrp="1"/>
-          </p:cNvSpPr>
-          <p:nvPr>
-            <p:ph idx="1"/>
-          </p:nvPr>
-        </p:nvSpPr>
-        <p:spPr/>
-        <p:txBody>
-          <a:bodyPr/>
-          <a:lstStyle/>
-          <a:p>
-            <a:r>
-              <a:rPr lang="en-US" dirty="0"/>
-              <a:t>More while Loops</a:t>
-            </a:r>
-          </a:p>
-          <a:p>
-            <a:r>
-              <a:rPr lang="en-US" dirty="0"/>
-              <a:t>Infinite loops</a:t>
-            </a:r>
-          </a:p>
-        </p:txBody>
-      </p:sp>
-    </p:spTree>
-    <p:extLst>
-      <p:ext uri="{BB962C8B-B14F-4D97-AF65-F5344CB8AC3E}">
-        <p14:creationId xmlns:p14="http://schemas.microsoft.com/office/powerpoint/2010/main" val="192437523"/>
-      </p:ext>
-    </p:extLst>
-  </p:cSld>
-  <p:clrMapOvr>
-    <a:masterClrMapping/>
-  </p:clrMapOvr>
-</p:sld>
-</file>
-
-<file path=ppt/slides/slide4.xml><?xml version="1.0" encoding="utf-8"?>
-<p:sld xmlns:a="http://schemas.openxmlformats.org/drawingml/2006/main" xmlns:r="http://schemas.openxmlformats.org/officeDocument/2006/relationships" xmlns:p="http://schemas.openxmlformats.org/presentationml/2006/main">
-  <p:cSld>
-    <p:spTree>
-      <p:nvGrpSpPr>
-        <p:cNvPr id="1" name=""/>
-        <p:cNvGrpSpPr/>
-        <p:nvPr/>
-      </p:nvGrpSpPr>
-      <p:grpSpPr>
-        <a:xfrm>
-          <a:off x="0" y="0"/>
-          <a:ext cx="0" cy="0"/>
-          <a:chOff x="0" y="0"/>
-          <a:chExt cx="0" cy="0"/>
-        </a:xfrm>
-      </p:grpSpPr>
-      <p:sp>
-        <p:nvSpPr>
-          <p:cNvPr id="2" name="Title 1">
-            <a:extLst>
-              <a:ext uri="{FF2B5EF4-FFF2-40B4-BE49-F238E27FC236}">
                 <a16:creationId xmlns:a16="http://schemas.microsoft.com/office/drawing/2014/main" id="{128C012E-E27C-4455-914A-F84B2E984449}"/>
               </a:ext>
             </a:extLst>
@@ -3300,7 +2977,7 @@
 </p:sld>
 </file>
 
-<file path=ppt/slides/slide5.xml><?xml version="1.0" encoding="utf-8"?>
+<file path=ppt/slides/slide4.xml><?xml version="1.0" encoding="utf-8"?>
 <p:sld xmlns:a="http://schemas.openxmlformats.org/drawingml/2006/main" xmlns:r="http://schemas.openxmlformats.org/officeDocument/2006/relationships" xmlns:p="http://schemas.openxmlformats.org/presentationml/2006/main">
   <p:cSld>
     <p:spTree>
@@ -4216,7 +3893,7 @@
 </p:sld>
 </file>
 
-<file path=ppt/slides/slide6.xml><?xml version="1.0" encoding="utf-8"?>
+<file path=ppt/slides/slide5.xml><?xml version="1.0" encoding="utf-8"?>
 <p:sld xmlns:a="http://schemas.openxmlformats.org/drawingml/2006/main" xmlns:r="http://schemas.openxmlformats.org/officeDocument/2006/relationships" xmlns:p="http://schemas.openxmlformats.org/presentationml/2006/main">
   <p:cSld>
     <p:spTree>
@@ -4509,7 +4186,7 @@
 </p:sld>
 </file>
 
-<file path=ppt/slides/slide7.xml><?xml version="1.0" encoding="utf-8"?>
+<file path=ppt/slides/slide6.xml><?xml version="1.0" encoding="utf-8"?>
 <p:sld xmlns:a="http://schemas.openxmlformats.org/drawingml/2006/main" xmlns:r="http://schemas.openxmlformats.org/officeDocument/2006/relationships" xmlns:p="http://schemas.openxmlformats.org/presentationml/2006/main">
   <p:cSld>
     <p:spTree>
@@ -4896,7 +4573,7 @@
 </p:sld>
 </file>
 
-<file path=ppt/slides/slide8.xml><?xml version="1.0" encoding="utf-8"?>
+<file path=ppt/slides/slide7.xml><?xml version="1.0" encoding="utf-8"?>
 <p:sld xmlns:a="http://schemas.openxmlformats.org/drawingml/2006/main" xmlns:r="http://schemas.openxmlformats.org/officeDocument/2006/relationships" xmlns:p="http://schemas.openxmlformats.org/presentationml/2006/main">
   <p:cSld>
     <p:spTree>
@@ -5262,7 +4939,7 @@
 </p:sld>
 </file>
 
-<file path=ppt/slides/slide9.xml><?xml version="1.0" encoding="utf-8"?>
+<file path=ppt/slides/slide8.xml><?xml version="1.0" encoding="utf-8"?>
 <p:sld xmlns:a="http://schemas.openxmlformats.org/drawingml/2006/main" xmlns:r="http://schemas.openxmlformats.org/officeDocument/2006/relationships" xmlns:p="http://schemas.openxmlformats.org/presentationml/2006/main">
   <p:cSld>
     <p:spTree>
@@ -5550,6 +5227,222 @@
     <p:extLst>
       <p:ext uri="{BB962C8B-B14F-4D97-AF65-F5344CB8AC3E}">
         <p14:creationId xmlns:p14="http://schemas.microsoft.com/office/powerpoint/2010/main" val="1488241433"/>
+      </p:ext>
+    </p:extLst>
+  </p:cSld>
+  <p:clrMapOvr>
+    <a:masterClrMapping/>
+  </p:clrMapOvr>
+</p:sld>
+</file>
+
+<file path=ppt/slides/slide9.xml><?xml version="1.0" encoding="utf-8"?>
+<p:sld xmlns:a="http://schemas.openxmlformats.org/drawingml/2006/main" xmlns:r="http://schemas.openxmlformats.org/officeDocument/2006/relationships" xmlns:p="http://schemas.openxmlformats.org/presentationml/2006/main">
+  <p:cSld>
+    <p:spTree>
+      <p:nvGrpSpPr>
+        <p:cNvPr id="1" name=""/>
+        <p:cNvGrpSpPr/>
+        <p:nvPr/>
+      </p:nvGrpSpPr>
+      <p:grpSpPr>
+        <a:xfrm>
+          <a:off x="0" y="0"/>
+          <a:ext cx="0" cy="0"/>
+          <a:chOff x="0" y="0"/>
+          <a:chExt cx="0" cy="0"/>
+        </a:xfrm>
+      </p:grpSpPr>
+      <p:sp>
+        <p:nvSpPr>
+          <p:cNvPr id="2" name="Title 1">
+            <a:extLst>
+              <a:ext uri="{FF2B5EF4-FFF2-40B4-BE49-F238E27FC236}">
+                <a16:creationId xmlns:a16="http://schemas.microsoft.com/office/drawing/2014/main" id="{128C012E-E27C-4455-914A-F84B2E984449}"/>
+              </a:ext>
+            </a:extLst>
+          </p:cNvPr>
+          <p:cNvSpPr>
+            <a:spLocks noGrp="1"/>
+          </p:cNvSpPr>
+          <p:nvPr>
+            <p:ph type="title"/>
+          </p:nvPr>
+        </p:nvSpPr>
+        <p:spPr/>
+        <p:txBody>
+          <a:bodyPr>
+            <a:normAutofit fontScale="90000"/>
+          </a:bodyPr>
+          <a:lstStyle/>
+          <a:p>
+            <a:r>
+              <a:rPr lang="en-US" b="1" dirty="0"/>
+              <a:t>While Loops</a:t>
+            </a:r>
+          </a:p>
+        </p:txBody>
+      </p:sp>
+      <p:sp>
+        <p:nvSpPr>
+          <p:cNvPr id="3" name="Content Placeholder 2">
+            <a:extLst>
+              <a:ext uri="{FF2B5EF4-FFF2-40B4-BE49-F238E27FC236}">
+                <a16:creationId xmlns:a16="http://schemas.microsoft.com/office/drawing/2014/main" id="{86B251CA-11BF-441F-8DAF-B316636B94DD}"/>
+              </a:ext>
+            </a:extLst>
+          </p:cNvPr>
+          <p:cNvSpPr>
+            <a:spLocks noGrp="1"/>
+          </p:cNvSpPr>
+          <p:nvPr>
+            <p:ph idx="1"/>
+          </p:nvPr>
+        </p:nvSpPr>
+        <p:spPr>
+          <a:xfrm>
+            <a:off x="838201" y="1825624"/>
+            <a:ext cx="6416842" cy="4900029"/>
+          </a:xfrm>
+        </p:spPr>
+        <p:txBody>
+          <a:bodyPr>
+            <a:normAutofit/>
+          </a:bodyPr>
+          <a:lstStyle/>
+          <a:p>
+            <a:r>
+              <a:rPr lang="en-US" sz="3200" dirty="0"/>
+              <a:t>Let</a:t>
+            </a:r>
+            <a:r>
+              <a:rPr lang="en-US" sz="3200" dirty="0">
+                <a:solidFill>
+                  <a:schemeClr val="accent2"/>
+                </a:solidFill>
+              </a:rPr>
+              <a:t>’</a:t>
+            </a:r>
+            <a:r>
+              <a:rPr lang="en-US" sz="3200" dirty="0"/>
+              <a:t>s revisit our User Input code and see if the While Loop will solve out problem</a:t>
+            </a:r>
+            <a:r>
+              <a:rPr lang="en-US" sz="3200" dirty="0">
+                <a:solidFill>
+                  <a:schemeClr val="accent2"/>
+                </a:solidFill>
+              </a:rPr>
+              <a:t>.</a:t>
+            </a:r>
+          </a:p>
+        </p:txBody>
+      </p:sp>
+      <p:sp>
+        <p:nvSpPr>
+          <p:cNvPr id="11" name="Rectangle: Rounded Corners 10">
+            <a:extLst>
+              <a:ext uri="{FF2B5EF4-FFF2-40B4-BE49-F238E27FC236}">
+                <a16:creationId xmlns:a16="http://schemas.microsoft.com/office/drawing/2014/main" id="{2AD12892-252D-47E8-9C1B-32729A13BC0B}"/>
+              </a:ext>
+            </a:extLst>
+          </p:cNvPr>
+          <p:cNvSpPr/>
+          <p:nvPr/>
+        </p:nvSpPr>
+        <p:spPr>
+          <a:xfrm>
+            <a:off x="7844590" y="1949006"/>
+            <a:ext cx="3958389" cy="4418765"/>
+          </a:xfrm>
+          <a:prstGeom prst="roundRect">
+            <a:avLst/>
+          </a:prstGeom>
+          <a:noFill/>
+          <a:ln w="76200">
+            <a:solidFill>
+              <a:schemeClr val="accent2"/>
+            </a:solidFill>
+          </a:ln>
+        </p:spPr>
+        <p:style>
+          <a:lnRef idx="2">
+            <a:schemeClr val="accent1">
+              <a:shade val="50000"/>
+            </a:schemeClr>
+          </a:lnRef>
+          <a:fillRef idx="1">
+            <a:schemeClr val="accent1"/>
+          </a:fillRef>
+          <a:effectRef idx="0">
+            <a:schemeClr val="accent1"/>
+          </a:effectRef>
+          <a:fontRef idx="minor">
+            <a:schemeClr val="lt1"/>
+          </a:fontRef>
+        </p:style>
+        <p:txBody>
+          <a:bodyPr rtlCol="0" anchor="ctr"/>
+          <a:lstStyle/>
+          <a:p>
+            <a:r>
+              <a:rPr lang="en-US" sz="4400" b="1" dirty="0">
+                <a:solidFill>
+                  <a:srgbClr val="FFFFFF"/>
+                </a:solidFill>
+              </a:rPr>
+              <a:t>Open your notebook</a:t>
+            </a:r>
+          </a:p>
+          <a:p>
+            <a:endParaRPr lang="en-US" sz="4400" b="1" dirty="0">
+              <a:solidFill>
+                <a:srgbClr val="FFFFFF"/>
+              </a:solidFill>
+            </a:endParaRPr>
+          </a:p>
+          <a:p>
+            <a:r>
+              <a:rPr lang="en-US" sz="2800" b="1" dirty="0">
+                <a:solidFill>
+                  <a:srgbClr val="FFFFFF"/>
+                </a:solidFill>
+              </a:rPr>
+              <a:t>Click Link</a:t>
+            </a:r>
+            <a:r>
+              <a:rPr lang="en-US" sz="2800" b="1" dirty="0">
+                <a:solidFill>
+                  <a:schemeClr val="accent6"/>
+                </a:solidFill>
+              </a:rPr>
+              <a:t>:</a:t>
+            </a:r>
+          </a:p>
+          <a:p>
+            <a:r>
+              <a:rPr lang="en-US" sz="2800" b="1" dirty="0">
+                <a:solidFill>
+                  <a:schemeClr val="accent6"/>
+                </a:solidFill>
+              </a:rPr>
+              <a:t>4. </a:t>
+            </a:r>
+            <a:r>
+              <a:rPr lang="en-US" sz="2600" b="1" dirty="0">
+                <a:solidFill>
+                  <a:schemeClr val="accent6"/>
+                </a:solidFill>
+              </a:rPr>
+              <a:t>Back to User Input</a:t>
+            </a:r>
+          </a:p>
+        </p:txBody>
+      </p:sp>
+    </p:spTree>
+    <p:extLst>
+      <p:ext uri="{BB962C8B-B14F-4D97-AF65-F5344CB8AC3E}">
+        <p14:creationId xmlns:p14="http://schemas.microsoft.com/office/powerpoint/2010/main" val="1582918149"/>
       </p:ext>
     </p:extLst>
   </p:cSld>

--- a/lectures/week4/lecture2/slides/week4_lecture2.pptx
+++ b/lectures/week4/lecture2/slides/week4_lecture2.pptx
@@ -13,8 +13,8 @@
     <p:sldId id="328" r:id="rId7"/>
     <p:sldId id="327" r:id="rId8"/>
     <p:sldId id="266" r:id="rId9"/>
-    <p:sldId id="265" r:id="rId10"/>
-    <p:sldId id="267" r:id="rId11"/>
+    <p:sldId id="267" r:id="rId10"/>
+    <p:sldId id="330" r:id="rId11"/>
     <p:sldId id="324" r:id="rId12"/>
     <p:sldId id="329" r:id="rId13"/>
   </p:sldIdLst>
@@ -1489,7 +1489,7 @@
           <p:cNvPr id="2" name="Title 1">
             <a:extLst>
               <a:ext uri="{FF2B5EF4-FFF2-40B4-BE49-F238E27FC236}">
-                <a16:creationId xmlns:a16="http://schemas.microsoft.com/office/drawing/2014/main" id="{128C012E-E27C-4455-914A-F84B2E984449}"/>
+                <a16:creationId xmlns:a16="http://schemas.microsoft.com/office/drawing/2014/main" id="{76348299-E8EB-4ACA-B766-0DC3553BD87A}"/>
               </a:ext>
             </a:extLst>
           </p:cNvPr>
@@ -1500,12 +1500,7 @@
             <p:ph type="title"/>
           </p:nvPr>
         </p:nvSpPr>
-        <p:spPr>
-          <a:xfrm>
-            <a:off x="838200" y="727514"/>
-            <a:ext cx="10515600" cy="656148"/>
-          </a:xfrm>
-        </p:spPr>
+        <p:spPr/>
         <p:txBody>
           <a:bodyPr>
             <a:normAutofit fontScale="90000"/>
@@ -1514,7 +1509,19 @@
           <a:p>
             <a:r>
               <a:rPr lang="en-US" b="1" dirty="0"/>
-              <a:t>Guessing Game</a:t>
+              <a:t>Midterm 1 Review </a:t>
+            </a:r>
+            <a:r>
+              <a:rPr lang="en-US" b="1" dirty="0">
+                <a:solidFill>
+                  <a:schemeClr val="accent6"/>
+                </a:solidFill>
+              </a:rPr>
+              <a:t>|</a:t>
+            </a:r>
+            <a:r>
+              <a:rPr lang="en-US" b="1" dirty="0"/>
+              <a:t> Functions</a:t>
             </a:r>
           </a:p>
         </p:txBody>
@@ -1524,7 +1531,7 @@
           <p:cNvPr id="3" name="Content Placeholder 2">
             <a:extLst>
               <a:ext uri="{FF2B5EF4-FFF2-40B4-BE49-F238E27FC236}">
-                <a16:creationId xmlns:a16="http://schemas.microsoft.com/office/drawing/2014/main" id="{86B251CA-11BF-441F-8DAF-B316636B94DD}"/>
+                <a16:creationId xmlns:a16="http://schemas.microsoft.com/office/drawing/2014/main" id="{97A3CC1B-2C3C-49DB-9988-D0DCB0E9399B}"/>
               </a:ext>
             </a:extLst>
           </p:cNvPr>
@@ -1535,326 +1542,19 @@
             <p:ph idx="1"/>
           </p:nvPr>
         </p:nvSpPr>
-        <p:spPr>
-          <a:xfrm>
-            <a:off x="838200" y="1825624"/>
-            <a:ext cx="6862011" cy="4900029"/>
-          </a:xfrm>
-        </p:spPr>
+        <p:spPr/>
         <p:txBody>
-          <a:bodyPr>
-            <a:normAutofit lnSpcReduction="10000"/>
-          </a:bodyPr>
+          <a:bodyPr/>
           <a:lstStyle/>
           <a:p>
-            <a:r>
-              <a:rPr lang="en-US" sz="3200" dirty="0"/>
-              <a:t>Let</a:t>
-            </a:r>
-            <a:r>
-              <a:rPr lang="en-US" sz="3200" dirty="0">
-                <a:solidFill>
-                  <a:schemeClr val="accent1"/>
-                </a:solidFill>
-              </a:rPr>
-              <a:t>’</a:t>
-            </a:r>
-            <a:r>
-              <a:rPr lang="en-US" sz="3200" dirty="0"/>
-              <a:t>s build a simple guessing game</a:t>
-            </a:r>
-            <a:r>
-              <a:rPr lang="en-US" sz="3200" dirty="0">
-                <a:solidFill>
-                  <a:schemeClr val="accent1"/>
-                </a:solidFill>
-              </a:rPr>
-              <a:t>.</a:t>
-            </a:r>
-            <a:r>
-              <a:rPr lang="en-US" sz="3200" dirty="0"/>
-              <a:t> </a:t>
-            </a:r>
-            <a:endParaRPr lang="en-US" sz="3200" dirty="0">
-              <a:solidFill>
-                <a:schemeClr val="accent1"/>
-              </a:solidFill>
-            </a:endParaRPr>
-          </a:p>
-          <a:p>
-            <a:pPr lvl="1"/>
-            <a:r>
-              <a:rPr lang="en-US" sz="2800" dirty="0"/>
-              <a:t>Get the computer to choose a random integer from 0 to 100</a:t>
-            </a:r>
-            <a:r>
-              <a:rPr lang="en-US" sz="2800" dirty="0">
-                <a:solidFill>
-                  <a:schemeClr val="accent1"/>
-                </a:solidFill>
-              </a:rPr>
-              <a:t>.</a:t>
-            </a:r>
-          </a:p>
-          <a:p>
-            <a:pPr lvl="1"/>
-            <a:r>
-              <a:rPr lang="en-US" sz="2800" dirty="0"/>
-              <a:t>Ask the user for a guess and allow the user to input a guess or </a:t>
-            </a:r>
-            <a:r>
-              <a:rPr lang="en-US" sz="2800" dirty="0">
-                <a:solidFill>
-                  <a:schemeClr val="accent6"/>
-                </a:solidFill>
-              </a:rPr>
-              <a:t>"</a:t>
-            </a:r>
-            <a:r>
-              <a:rPr lang="en-US" sz="2800" dirty="0"/>
-              <a:t>q</a:t>
-            </a:r>
-            <a:r>
-              <a:rPr lang="en-US" sz="2800" dirty="0">
-                <a:solidFill>
-                  <a:schemeClr val="accent6"/>
-                </a:solidFill>
-              </a:rPr>
-              <a:t>“</a:t>
-            </a:r>
-            <a:r>
-              <a:rPr lang="en-US" sz="2800" dirty="0">
-                <a:solidFill>
-                  <a:schemeClr val="accent1"/>
-                </a:solidFill>
-              </a:rPr>
-              <a:t>.</a:t>
-            </a:r>
-          </a:p>
-          <a:p>
-            <a:pPr lvl="1"/>
-            <a:r>
-              <a:rPr lang="en-US" sz="2800" dirty="0"/>
-              <a:t>If the user inputs </a:t>
-            </a:r>
-            <a:r>
-              <a:rPr lang="en-US" sz="2800" dirty="0">
-                <a:solidFill>
-                  <a:schemeClr val="accent6"/>
-                </a:solidFill>
-              </a:rPr>
-              <a:t>"</a:t>
-            </a:r>
-            <a:r>
-              <a:rPr lang="en-US" sz="2800" dirty="0"/>
-              <a:t>q</a:t>
-            </a:r>
-            <a:r>
-              <a:rPr lang="en-US" sz="2800" dirty="0">
-                <a:solidFill>
-                  <a:schemeClr val="accent6"/>
-                </a:solidFill>
-              </a:rPr>
-              <a:t>"</a:t>
-            </a:r>
-            <a:r>
-              <a:rPr lang="en-US" sz="2800" dirty="0"/>
-              <a:t> print a nice message and end the program</a:t>
-            </a:r>
-            <a:r>
-              <a:rPr lang="en-US" sz="2800" dirty="0">
-                <a:solidFill>
-                  <a:schemeClr val="accent1"/>
-                </a:solidFill>
-              </a:rPr>
-              <a:t>.</a:t>
-            </a:r>
-          </a:p>
-          <a:p>
-            <a:pPr lvl="1"/>
-            <a:r>
-              <a:rPr lang="en-US" sz="2800" dirty="0"/>
-              <a:t>If the user enters a guess</a:t>
-            </a:r>
-            <a:r>
-              <a:rPr lang="en-US" sz="2800" dirty="0">
-                <a:solidFill>
-                  <a:schemeClr val="accent1"/>
-                </a:solidFill>
-              </a:rPr>
-              <a:t>,</a:t>
-            </a:r>
-            <a:r>
-              <a:rPr lang="en-US" sz="2800" dirty="0"/>
-              <a:t> tell them if they should guess higher</a:t>
-            </a:r>
-            <a:r>
-              <a:rPr lang="en-US" sz="2800" dirty="0">
-                <a:solidFill>
-                  <a:schemeClr val="accent1"/>
-                </a:solidFill>
-              </a:rPr>
-              <a:t>,</a:t>
-            </a:r>
-            <a:r>
-              <a:rPr lang="en-US" sz="2800" dirty="0"/>
-              <a:t> lower</a:t>
-            </a:r>
-            <a:r>
-              <a:rPr lang="en-US" sz="2800" dirty="0">
-                <a:solidFill>
-                  <a:schemeClr val="accent1"/>
-                </a:solidFill>
-              </a:rPr>
-              <a:t>,</a:t>
-            </a:r>
-            <a:r>
-              <a:rPr lang="en-US" sz="2800" dirty="0"/>
-              <a:t> or if they got it right</a:t>
-            </a:r>
-            <a:r>
-              <a:rPr lang="en-US" sz="2800" dirty="0">
-                <a:solidFill>
-                  <a:schemeClr val="accent1"/>
-                </a:solidFill>
-              </a:rPr>
-              <a:t>.</a:t>
-            </a:r>
-          </a:p>
-          <a:p>
-            <a:pPr lvl="1"/>
-            <a:r>
-              <a:rPr lang="en-US" sz="2800" dirty="0"/>
-              <a:t>If they got it right</a:t>
-            </a:r>
-            <a:r>
-              <a:rPr lang="en-US" sz="2800" dirty="0">
-                <a:solidFill>
-                  <a:schemeClr val="accent1"/>
-                </a:solidFill>
-              </a:rPr>
-              <a:t>,</a:t>
-            </a:r>
-            <a:r>
-              <a:rPr lang="en-US" sz="2800" dirty="0"/>
-              <a:t> print a nice message and quit</a:t>
-            </a:r>
-            <a:r>
-              <a:rPr lang="en-US" sz="2800" dirty="0">
-                <a:solidFill>
-                  <a:schemeClr val="accent1"/>
-                </a:solidFill>
-              </a:rPr>
-              <a:t>.</a:t>
-            </a:r>
-          </a:p>
-        </p:txBody>
-      </p:sp>
-      <p:sp>
-        <p:nvSpPr>
-          <p:cNvPr id="11" name="Rectangle: Rounded Corners 10">
-            <a:extLst>
-              <a:ext uri="{FF2B5EF4-FFF2-40B4-BE49-F238E27FC236}">
-                <a16:creationId xmlns:a16="http://schemas.microsoft.com/office/drawing/2014/main" id="{2AD12892-252D-47E8-9C1B-32729A13BC0B}"/>
-              </a:ext>
-            </a:extLst>
-          </p:cNvPr>
-          <p:cNvSpPr/>
-          <p:nvPr/>
-        </p:nvSpPr>
-        <p:spPr>
-          <a:xfrm>
-            <a:off x="7844590" y="1949006"/>
-            <a:ext cx="3958389" cy="4418765"/>
-          </a:xfrm>
-          <a:prstGeom prst="roundRect">
-            <a:avLst/>
-          </a:prstGeom>
-          <a:noFill/>
-          <a:ln w="76200">
-            <a:solidFill>
-              <a:schemeClr val="accent2"/>
-            </a:solidFill>
-          </a:ln>
-        </p:spPr>
-        <p:style>
-          <a:lnRef idx="2">
-            <a:schemeClr val="accent1">
-              <a:shade val="50000"/>
-            </a:schemeClr>
-          </a:lnRef>
-          <a:fillRef idx="1">
-            <a:schemeClr val="accent1"/>
-          </a:fillRef>
-          <a:effectRef idx="0">
-            <a:schemeClr val="accent1"/>
-          </a:effectRef>
-          <a:fontRef idx="minor">
-            <a:schemeClr val="lt1"/>
-          </a:fontRef>
-        </p:style>
-        <p:txBody>
-          <a:bodyPr rtlCol="0" anchor="ctr"/>
-          <a:lstStyle/>
-          <a:p>
-            <a:r>
-              <a:rPr lang="en-US" sz="4400" b="1" dirty="0">
-                <a:solidFill>
-                  <a:srgbClr val="FFFFFF"/>
-                </a:solidFill>
-              </a:rPr>
-              <a:t>Open your notebook</a:t>
-            </a:r>
-          </a:p>
-          <a:p>
-            <a:endParaRPr lang="en-US" sz="4400" b="1" dirty="0">
-              <a:solidFill>
-                <a:srgbClr val="FFFFFF"/>
-              </a:solidFill>
-            </a:endParaRPr>
-          </a:p>
-          <a:p>
-            <a:r>
-              <a:rPr lang="en-US" sz="2800" b="1" dirty="0">
-                <a:solidFill>
-                  <a:srgbClr val="FFFFFF"/>
-                </a:solidFill>
-              </a:rPr>
-              <a:t>Click Link</a:t>
-            </a:r>
-            <a:r>
-              <a:rPr lang="en-US" sz="2800" b="1" dirty="0">
-                <a:solidFill>
-                  <a:schemeClr val="accent6"/>
-                </a:solidFill>
-              </a:rPr>
-              <a:t>:</a:t>
-            </a:r>
-          </a:p>
-          <a:p>
-            <a:r>
-              <a:rPr lang="en-US" sz="2800" b="1" dirty="0">
-                <a:solidFill>
-                  <a:schemeClr val="accent6"/>
-                </a:solidFill>
-              </a:rPr>
-              <a:t>5. </a:t>
-            </a:r>
-            <a:r>
-              <a:rPr lang="en-US" sz="2600" b="1" dirty="0">
-                <a:solidFill>
-                  <a:schemeClr val="accent6"/>
-                </a:solidFill>
-              </a:rPr>
-              <a:t>A Simple Guessing Game</a:t>
-            </a:r>
+            <a:endParaRPr lang="en-US"/>
           </a:p>
         </p:txBody>
       </p:sp>
     </p:spTree>
     <p:extLst>
       <p:ext uri="{BB962C8B-B14F-4D97-AF65-F5344CB8AC3E}">
-        <p14:creationId xmlns:p14="http://schemas.microsoft.com/office/powerpoint/2010/main" val="1157149472"/>
+        <p14:creationId xmlns:p14="http://schemas.microsoft.com/office/powerpoint/2010/main" val="2786277206"/>
       </p:ext>
     </p:extLst>
   </p:cSld>
@@ -5269,7 +4969,12 @@
             <p:ph type="title"/>
           </p:nvPr>
         </p:nvSpPr>
-        <p:spPr/>
+        <p:spPr>
+          <a:xfrm>
+            <a:off x="838200" y="727514"/>
+            <a:ext cx="10515600" cy="656148"/>
+          </a:xfrm>
+        </p:spPr>
         <p:txBody>
           <a:bodyPr>
             <a:normAutofit fontScale="90000"/>
@@ -5278,7 +4983,7 @@
           <a:p>
             <a:r>
               <a:rPr lang="en-US" b="1" dirty="0"/>
-              <a:t>While Loops</a:t>
+              <a:t>Guessing Game</a:t>
             </a:r>
           </a:p>
         </p:txBody>
@@ -5301,13 +5006,13 @@
         </p:nvSpPr>
         <p:spPr>
           <a:xfrm>
-            <a:off x="838201" y="1825624"/>
-            <a:ext cx="6416842" cy="4900029"/>
+            <a:off x="838200" y="1825624"/>
+            <a:ext cx="6862011" cy="4900029"/>
           </a:xfrm>
         </p:spPr>
         <p:txBody>
           <a:bodyPr>
-            <a:normAutofit/>
+            <a:normAutofit lnSpcReduction="10000"/>
           </a:bodyPr>
           <a:lstStyle/>
           <a:p>
@@ -5318,19 +5023,195 @@
             <a:r>
               <a:rPr lang="en-US" sz="3200" dirty="0">
                 <a:solidFill>
-                  <a:schemeClr val="accent2"/>
+                  <a:schemeClr val="accent1"/>
                 </a:solidFill>
               </a:rPr>
               <a:t>’</a:t>
             </a:r>
             <a:r>
               <a:rPr lang="en-US" sz="3200" dirty="0"/>
-              <a:t>s revisit our User Input code and see if the While Loop will solve out problem</a:t>
+              <a:t>s build a simple guessing game</a:t>
             </a:r>
             <a:r>
               <a:rPr lang="en-US" sz="3200" dirty="0">
                 <a:solidFill>
-                  <a:schemeClr val="accent2"/>
+                  <a:schemeClr val="accent1"/>
+                </a:solidFill>
+              </a:rPr>
+              <a:t>.</a:t>
+            </a:r>
+            <a:r>
+              <a:rPr lang="en-US" sz="3200" dirty="0"/>
+              <a:t> </a:t>
+            </a:r>
+            <a:endParaRPr lang="en-US" sz="3200" dirty="0">
+              <a:solidFill>
+                <a:schemeClr val="accent1"/>
+              </a:solidFill>
+            </a:endParaRPr>
+          </a:p>
+          <a:p>
+            <a:pPr lvl="1"/>
+            <a:r>
+              <a:rPr lang="en-US" sz="2800" dirty="0"/>
+              <a:t>Get the computer to choose a random integer from 0 to 100</a:t>
+            </a:r>
+            <a:r>
+              <a:rPr lang="en-US" sz="2800" dirty="0">
+                <a:solidFill>
+                  <a:schemeClr val="accent1"/>
+                </a:solidFill>
+              </a:rPr>
+              <a:t>.</a:t>
+            </a:r>
+          </a:p>
+          <a:p>
+            <a:pPr lvl="1"/>
+            <a:r>
+              <a:rPr lang="en-US" sz="2800" dirty="0"/>
+              <a:t>Ask the user for a guess and allow the user to input a guess or </a:t>
+            </a:r>
+            <a:r>
+              <a:rPr lang="en-US" sz="2800" dirty="0">
+                <a:solidFill>
+                  <a:schemeClr val="accent6"/>
+                </a:solidFill>
+              </a:rPr>
+              <a:t>"</a:t>
+            </a:r>
+            <a:r>
+              <a:rPr lang="en-US" sz="2800" dirty="0"/>
+              <a:t>q</a:t>
+            </a:r>
+            <a:r>
+              <a:rPr lang="en-US" sz="2800" dirty="0">
+                <a:solidFill>
+                  <a:schemeClr val="accent6"/>
+                </a:solidFill>
+              </a:rPr>
+              <a:t>“</a:t>
+            </a:r>
+            <a:r>
+              <a:rPr lang="en-US" sz="2800" dirty="0">
+                <a:solidFill>
+                  <a:schemeClr val="accent1"/>
+                </a:solidFill>
+              </a:rPr>
+              <a:t>.</a:t>
+            </a:r>
+          </a:p>
+          <a:p>
+            <a:pPr lvl="1"/>
+            <a:r>
+              <a:rPr lang="en-US" sz="2800" dirty="0"/>
+              <a:t>If the user inputs </a:t>
+            </a:r>
+            <a:r>
+              <a:rPr lang="en-US" sz="2800" dirty="0">
+                <a:solidFill>
+                  <a:schemeClr val="accent6"/>
+                </a:solidFill>
+              </a:rPr>
+              <a:t>"</a:t>
+            </a:r>
+            <a:r>
+              <a:rPr lang="en-US" sz="2800" dirty="0"/>
+              <a:t>q</a:t>
+            </a:r>
+            <a:r>
+              <a:rPr lang="en-US" sz="2800" dirty="0">
+                <a:solidFill>
+                  <a:schemeClr val="accent6"/>
+                </a:solidFill>
+              </a:rPr>
+              <a:t>"</a:t>
+            </a:r>
+            <a:r>
+              <a:rPr lang="en-US" sz="2800" dirty="0"/>
+              <a:t> print a nice message and end the program</a:t>
+            </a:r>
+            <a:r>
+              <a:rPr lang="en-US" sz="2800" dirty="0">
+                <a:solidFill>
+                  <a:schemeClr val="accent1"/>
+                </a:solidFill>
+              </a:rPr>
+              <a:t>.</a:t>
+            </a:r>
+          </a:p>
+          <a:p>
+            <a:pPr lvl="1"/>
+            <a:r>
+              <a:rPr lang="en-US" sz="2800" dirty="0"/>
+              <a:t>If the user enters a guess</a:t>
+            </a:r>
+            <a:r>
+              <a:rPr lang="en-US" sz="2800" dirty="0">
+                <a:solidFill>
+                  <a:schemeClr val="accent1"/>
+                </a:solidFill>
+              </a:rPr>
+              <a:t>,</a:t>
+            </a:r>
+            <a:r>
+              <a:rPr lang="en-US" sz="2800" dirty="0"/>
+              <a:t> tell them if they should guess higher</a:t>
+            </a:r>
+            <a:r>
+              <a:rPr lang="en-US" sz="2800" dirty="0">
+                <a:solidFill>
+                  <a:schemeClr val="accent1"/>
+                </a:solidFill>
+              </a:rPr>
+              <a:t>,</a:t>
+            </a:r>
+            <a:r>
+              <a:rPr lang="en-US" sz="2800" dirty="0"/>
+              <a:t> lower</a:t>
+            </a:r>
+            <a:r>
+              <a:rPr lang="en-US" sz="2800" dirty="0">
+                <a:solidFill>
+                  <a:schemeClr val="accent1"/>
+                </a:solidFill>
+              </a:rPr>
+              <a:t>,</a:t>
+            </a:r>
+            <a:r>
+              <a:rPr lang="en-US" sz="2800" dirty="0"/>
+              <a:t> or if they got it right</a:t>
+            </a:r>
+            <a:r>
+              <a:rPr lang="en-US" sz="2800" dirty="0">
+                <a:solidFill>
+                  <a:schemeClr val="accent1"/>
+                </a:solidFill>
+              </a:rPr>
+              <a:t>.</a:t>
+            </a:r>
+          </a:p>
+          <a:p>
+            <a:pPr lvl="1"/>
+            <a:r>
+              <a:rPr lang="en-US" sz="2800" dirty="0"/>
+              <a:t>If they got it right</a:t>
+            </a:r>
+            <a:r>
+              <a:rPr lang="en-US" sz="2800" dirty="0">
+                <a:solidFill>
+                  <a:schemeClr val="accent1"/>
+                </a:solidFill>
+              </a:rPr>
+              <a:t>,</a:t>
+            </a:r>
+            <a:r>
+              <a:rPr lang="en-US" sz="2800" dirty="0"/>
+              <a:t> print a nice message and quit</a:t>
+            </a:r>
+            <a:r>
+              <a:rPr lang="en-US" sz="2800" dirty="0">
+                <a:solidFill>
+                  <a:schemeClr val="accent1"/>
                 </a:solidFill>
               </a:rPr>
               <a:t>.</a:t>
@@ -5434,7 +5315,7 @@
                   <a:schemeClr val="accent6"/>
                 </a:solidFill>
               </a:rPr>
-              <a:t>Back to User Input</a:t>
+              <a:t>A Simple Guessing Game</a:t>
             </a:r>
           </a:p>
         </p:txBody>
@@ -5442,7 +5323,7 @@
     </p:spTree>
     <p:extLst>
       <p:ext uri="{BB962C8B-B14F-4D97-AF65-F5344CB8AC3E}">
-        <p14:creationId xmlns:p14="http://schemas.microsoft.com/office/powerpoint/2010/main" val="1582918149"/>
+        <p14:creationId xmlns:p14="http://schemas.microsoft.com/office/powerpoint/2010/main" val="1157149472"/>
       </p:ext>
     </p:extLst>
   </p:cSld>

--- a/lectures/week4/lecture2/slides/week4_lecture2.pptx
+++ b/lectures/week4/lecture2/slides/week4_lecture2.pptx
@@ -11,12 +11,16 @@
     <p:sldId id="326" r:id="rId5"/>
     <p:sldId id="325" r:id="rId6"/>
     <p:sldId id="328" r:id="rId7"/>
-    <p:sldId id="327" r:id="rId8"/>
-    <p:sldId id="266" r:id="rId9"/>
-    <p:sldId id="267" r:id="rId10"/>
-    <p:sldId id="330" r:id="rId11"/>
-    <p:sldId id="324" r:id="rId12"/>
-    <p:sldId id="329" r:id="rId13"/>
+    <p:sldId id="267" r:id="rId8"/>
+    <p:sldId id="335" r:id="rId9"/>
+    <p:sldId id="336" r:id="rId10"/>
+    <p:sldId id="339" r:id="rId11"/>
+    <p:sldId id="337" r:id="rId12"/>
+    <p:sldId id="340" r:id="rId13"/>
+    <p:sldId id="338" r:id="rId14"/>
+    <p:sldId id="334" r:id="rId15"/>
+    <p:sldId id="324" r:id="rId16"/>
+    <p:sldId id="329" r:id="rId17"/>
   </p:sldIdLst>
   <p:sldSz cx="12192000" cy="6858000"/>
   <p:notesSz cx="6858000" cy="9144000"/>
@@ -1489,7 +1493,7 @@
           <p:cNvPr id="2" name="Title 1">
             <a:extLst>
               <a:ext uri="{FF2B5EF4-FFF2-40B4-BE49-F238E27FC236}">
-                <a16:creationId xmlns:a16="http://schemas.microsoft.com/office/drawing/2014/main" id="{76348299-E8EB-4ACA-B766-0DC3553BD87A}"/>
+                <a16:creationId xmlns:a16="http://schemas.microsoft.com/office/drawing/2014/main" id="{128C012E-E27C-4455-914A-F84B2E984449}"/>
               </a:ext>
             </a:extLst>
           </p:cNvPr>
@@ -1500,7 +1504,12 @@
             <p:ph type="title"/>
           </p:nvPr>
         </p:nvSpPr>
-        <p:spPr/>
+        <p:spPr>
+          <a:xfrm>
+            <a:off x="838200" y="727514"/>
+            <a:ext cx="10515600" cy="656148"/>
+          </a:xfrm>
+        </p:spPr>
         <p:txBody>
           <a:bodyPr>
             <a:normAutofit fontScale="90000"/>
@@ -1509,52 +1518,227 @@
           <a:p>
             <a:r>
               <a:rPr lang="en-US" b="1" dirty="0"/>
-              <a:t>Midterm 1 Review </a:t>
-            </a:r>
-            <a:r>
-              <a:rPr lang="en-US" b="1" dirty="0">
-                <a:solidFill>
-                  <a:schemeClr val="accent6"/>
-                </a:solidFill>
-              </a:rPr>
-              <a:t>|</a:t>
-            </a:r>
-            <a:r>
-              <a:rPr lang="en-US" b="1" dirty="0"/>
-              <a:t> Functions</a:t>
-            </a:r>
-          </a:p>
-        </p:txBody>
-      </p:sp>
-      <p:sp>
-        <p:nvSpPr>
-          <p:cNvPr id="3" name="Content Placeholder 2">
-            <a:extLst>
-              <a:ext uri="{FF2B5EF4-FFF2-40B4-BE49-F238E27FC236}">
-                <a16:creationId xmlns:a16="http://schemas.microsoft.com/office/drawing/2014/main" id="{97A3CC1B-2C3C-49DB-9988-D0DCB0E9399B}"/>
-              </a:ext>
-            </a:extLst>
-          </p:cNvPr>
-          <p:cNvSpPr>
-            <a:spLocks noGrp="1"/>
-          </p:cNvSpPr>
-          <p:nvPr>
-            <p:ph idx="1"/>
-          </p:nvPr>
-        </p:nvSpPr>
-        <p:spPr/>
-        <p:txBody>
-          <a:bodyPr/>
-          <a:lstStyle/>
-          <a:p>
+              <a:t>Guessing Game</a:t>
+            </a:r>
+          </a:p>
+        </p:txBody>
+      </p:sp>
+      <p:sp>
+        <p:nvSpPr>
+          <p:cNvPr id="4" name="Arrow: Left-Right 3">
+            <a:extLst>
+              <a:ext uri="{FF2B5EF4-FFF2-40B4-BE49-F238E27FC236}">
+                <a16:creationId xmlns:a16="http://schemas.microsoft.com/office/drawing/2014/main" id="{022C15AC-AF7B-460E-8033-14D8CB69B82B}"/>
+              </a:ext>
+            </a:extLst>
+          </p:cNvPr>
+          <p:cNvSpPr/>
+          <p:nvPr/>
+        </p:nvSpPr>
+        <p:spPr>
+          <a:xfrm>
+            <a:off x="1427748" y="5570621"/>
+            <a:ext cx="8518358" cy="866274"/>
+          </a:xfrm>
+          <a:prstGeom prst="leftRightArrow">
+            <a:avLst/>
+          </a:prstGeom>
+        </p:spPr>
+        <p:style>
+          <a:lnRef idx="2">
+            <a:schemeClr val="accent1">
+              <a:shade val="50000"/>
+            </a:schemeClr>
+          </a:lnRef>
+          <a:fillRef idx="1">
+            <a:schemeClr val="accent1"/>
+          </a:fillRef>
+          <a:effectRef idx="0">
+            <a:schemeClr val="accent1"/>
+          </a:effectRef>
+          <a:fontRef idx="minor">
+            <a:schemeClr val="lt1"/>
+          </a:fontRef>
+        </p:style>
+        <p:txBody>
+          <a:bodyPr rtlCol="0" anchor="ctr"/>
+          <a:lstStyle/>
+          <a:p>
+            <a:pPr algn="ctr"/>
             <a:endParaRPr lang="en-US"/>
+          </a:p>
+        </p:txBody>
+      </p:sp>
+      <p:sp>
+        <p:nvSpPr>
+          <p:cNvPr id="5" name="TextBox 4">
+            <a:extLst>
+              <a:ext uri="{FF2B5EF4-FFF2-40B4-BE49-F238E27FC236}">
+                <a16:creationId xmlns:a16="http://schemas.microsoft.com/office/drawing/2014/main" id="{13AF36E5-475E-4F1E-8085-36D4D314CDDC}"/>
+              </a:ext>
+            </a:extLst>
+          </p:cNvPr>
+          <p:cNvSpPr txBox="1"/>
+          <p:nvPr/>
+        </p:nvSpPr>
+        <p:spPr>
+          <a:xfrm>
+            <a:off x="772513" y="5588259"/>
+            <a:ext cx="538930" cy="830997"/>
+          </a:xfrm>
+          <a:prstGeom prst="rect">
+            <a:avLst/>
+          </a:prstGeom>
+          <a:noFill/>
+        </p:spPr>
+        <p:txBody>
+          <a:bodyPr wrap="none" rtlCol="0">
+            <a:spAutoFit/>
+          </a:bodyPr>
+          <a:lstStyle/>
+          <a:p>
+            <a:r>
+              <a:rPr lang="en-US" sz="4800" b="1" dirty="0">
+                <a:solidFill>
+                  <a:srgbClr val="FFFFFF"/>
+                </a:solidFill>
+              </a:rPr>
+              <a:t>0</a:t>
+            </a:r>
+          </a:p>
+        </p:txBody>
+      </p:sp>
+      <p:sp>
+        <p:nvSpPr>
+          <p:cNvPr id="7" name="TextBox 6">
+            <a:extLst>
+              <a:ext uri="{FF2B5EF4-FFF2-40B4-BE49-F238E27FC236}">
+                <a16:creationId xmlns:a16="http://schemas.microsoft.com/office/drawing/2014/main" id="{9F64FC8C-0292-4EC9-A622-76089CA49134}"/>
+              </a:ext>
+            </a:extLst>
+          </p:cNvPr>
+          <p:cNvSpPr txBox="1"/>
+          <p:nvPr/>
+        </p:nvSpPr>
+        <p:spPr>
+          <a:xfrm>
+            <a:off x="10062411" y="5564195"/>
+            <a:ext cx="893193" cy="830997"/>
+          </a:xfrm>
+          <a:prstGeom prst="rect">
+            <a:avLst/>
+          </a:prstGeom>
+          <a:noFill/>
+        </p:spPr>
+        <p:txBody>
+          <a:bodyPr wrap="none" rtlCol="0">
+            <a:spAutoFit/>
+          </a:bodyPr>
+          <a:lstStyle/>
+          <a:p>
+            <a:r>
+              <a:rPr lang="en-US" sz="4800" b="1" dirty="0">
+                <a:solidFill>
+                  <a:srgbClr val="FFFFFF"/>
+                </a:solidFill>
+              </a:rPr>
+              <a:t>64</a:t>
+            </a:r>
+          </a:p>
+        </p:txBody>
+      </p:sp>
+      <p:sp>
+        <p:nvSpPr>
+          <p:cNvPr id="6" name="Arrow: Down 5">
+            <a:extLst>
+              <a:ext uri="{FF2B5EF4-FFF2-40B4-BE49-F238E27FC236}">
+                <a16:creationId xmlns:a16="http://schemas.microsoft.com/office/drawing/2014/main" id="{733B50B0-CDBA-4289-A206-53669331BC72}"/>
+              </a:ext>
+            </a:extLst>
+          </p:cNvPr>
+          <p:cNvSpPr/>
+          <p:nvPr/>
+        </p:nvSpPr>
+        <p:spPr>
+          <a:xfrm>
+            <a:off x="5807242" y="4914900"/>
+            <a:ext cx="577516" cy="733926"/>
+          </a:xfrm>
+          <a:prstGeom prst="downArrow">
+            <a:avLst/>
+          </a:prstGeom>
+          <a:solidFill>
+            <a:schemeClr val="accent6"/>
+          </a:solidFill>
+        </p:spPr>
+        <p:style>
+          <a:lnRef idx="2">
+            <a:schemeClr val="accent1">
+              <a:shade val="50000"/>
+            </a:schemeClr>
+          </a:lnRef>
+          <a:fillRef idx="1">
+            <a:schemeClr val="accent1"/>
+          </a:fillRef>
+          <a:effectRef idx="0">
+            <a:schemeClr val="accent1"/>
+          </a:effectRef>
+          <a:fontRef idx="minor">
+            <a:schemeClr val="lt1"/>
+          </a:fontRef>
+        </p:style>
+        <p:txBody>
+          <a:bodyPr rtlCol="0" anchor="ctr"/>
+          <a:lstStyle/>
+          <a:p>
+            <a:pPr algn="ctr"/>
+            <a:endParaRPr lang="en-US"/>
+          </a:p>
+        </p:txBody>
+      </p:sp>
+      <p:sp>
+        <p:nvSpPr>
+          <p:cNvPr id="9" name="TextBox 8">
+            <a:extLst>
+              <a:ext uri="{FF2B5EF4-FFF2-40B4-BE49-F238E27FC236}">
+                <a16:creationId xmlns:a16="http://schemas.microsoft.com/office/drawing/2014/main" id="{0447DA6F-ABB0-4FBD-998C-3A0D0F70597C}"/>
+              </a:ext>
+            </a:extLst>
+          </p:cNvPr>
+          <p:cNvSpPr txBox="1"/>
+          <p:nvPr/>
+        </p:nvSpPr>
+        <p:spPr>
+          <a:xfrm>
+            <a:off x="5652746" y="4102767"/>
+            <a:ext cx="893193" cy="830997"/>
+          </a:xfrm>
+          <a:prstGeom prst="rect">
+            <a:avLst/>
+          </a:prstGeom>
+          <a:noFill/>
+        </p:spPr>
+        <p:txBody>
+          <a:bodyPr wrap="none" rtlCol="0">
+            <a:spAutoFit/>
+          </a:bodyPr>
+          <a:lstStyle/>
+          <a:p>
+            <a:r>
+              <a:rPr lang="en-US" sz="4800" b="1" dirty="0">
+                <a:solidFill>
+                  <a:srgbClr val="FFFFFF"/>
+                </a:solidFill>
+              </a:rPr>
+              <a:t>45</a:t>
+            </a:r>
           </a:p>
         </p:txBody>
       </p:sp>
     </p:spTree>
     <p:extLst>
       <p:ext uri="{BB962C8B-B14F-4D97-AF65-F5344CB8AC3E}">
-        <p14:creationId xmlns:p14="http://schemas.microsoft.com/office/powerpoint/2010/main" val="2786277206"/>
+        <p14:creationId xmlns:p14="http://schemas.microsoft.com/office/powerpoint/2010/main" val="994667479"/>
       </p:ext>
     </p:extLst>
   </p:cSld>
@@ -1583,6 +1767,1509 @@
       </p:grpSpPr>
       <p:sp>
         <p:nvSpPr>
+          <p:cNvPr id="2" name="Title 1">
+            <a:extLst>
+              <a:ext uri="{FF2B5EF4-FFF2-40B4-BE49-F238E27FC236}">
+                <a16:creationId xmlns:a16="http://schemas.microsoft.com/office/drawing/2014/main" id="{128C012E-E27C-4455-914A-F84B2E984449}"/>
+              </a:ext>
+            </a:extLst>
+          </p:cNvPr>
+          <p:cNvSpPr>
+            <a:spLocks noGrp="1"/>
+          </p:cNvSpPr>
+          <p:nvPr>
+            <p:ph type="title"/>
+          </p:nvPr>
+        </p:nvSpPr>
+        <p:spPr>
+          <a:xfrm>
+            <a:off x="838200" y="727514"/>
+            <a:ext cx="10515600" cy="656148"/>
+          </a:xfrm>
+        </p:spPr>
+        <p:txBody>
+          <a:bodyPr>
+            <a:normAutofit fontScale="90000"/>
+          </a:bodyPr>
+          <a:lstStyle/>
+          <a:p>
+            <a:r>
+              <a:rPr lang="en-US" b="1" dirty="0"/>
+              <a:t>Guessing Game</a:t>
+            </a:r>
+          </a:p>
+        </p:txBody>
+      </p:sp>
+      <p:sp>
+        <p:nvSpPr>
+          <p:cNvPr id="3" name="Content Placeholder 2">
+            <a:extLst>
+              <a:ext uri="{FF2B5EF4-FFF2-40B4-BE49-F238E27FC236}">
+                <a16:creationId xmlns:a16="http://schemas.microsoft.com/office/drawing/2014/main" id="{86B251CA-11BF-441F-8DAF-B316636B94DD}"/>
+              </a:ext>
+            </a:extLst>
+          </p:cNvPr>
+          <p:cNvSpPr>
+            <a:spLocks noGrp="1"/>
+          </p:cNvSpPr>
+          <p:nvPr>
+            <p:ph idx="1"/>
+          </p:nvPr>
+        </p:nvSpPr>
+        <p:spPr>
+          <a:xfrm>
+            <a:off x="838200" y="1825624"/>
+            <a:ext cx="9316453" cy="4900029"/>
+          </a:xfrm>
+        </p:spPr>
+        <p:txBody>
+          <a:bodyPr>
+            <a:normAutofit/>
+          </a:bodyPr>
+          <a:lstStyle/>
+          <a:p>
+            <a:r>
+              <a:rPr lang="en-US" sz="3200" dirty="0"/>
+              <a:t>The user guesses 40</a:t>
+            </a:r>
+            <a:r>
+              <a:rPr lang="en-US" sz="3200" dirty="0">
+                <a:solidFill>
+                  <a:schemeClr val="accent1"/>
+                </a:solidFill>
+              </a:rPr>
+              <a:t>.</a:t>
+            </a:r>
+          </a:p>
+          <a:p>
+            <a:pPr lvl="1"/>
+            <a:r>
+              <a:rPr lang="en-US" sz="2800" dirty="0"/>
+              <a:t>The computer says </a:t>
+            </a:r>
+            <a:r>
+              <a:rPr lang="en-US" sz="2800" b="1" dirty="0">
+                <a:solidFill>
+                  <a:schemeClr val="accent6"/>
+                </a:solidFill>
+              </a:rPr>
+              <a:t>HIGHER</a:t>
+            </a:r>
+            <a:r>
+              <a:rPr lang="en-US" sz="2800" dirty="0">
+                <a:solidFill>
+                  <a:schemeClr val="accent1"/>
+                </a:solidFill>
+              </a:rPr>
+              <a:t>.</a:t>
+            </a:r>
+          </a:p>
+          <a:p>
+            <a:pPr lvl="1"/>
+            <a:endParaRPr lang="en-US" sz="2800" dirty="0">
+              <a:solidFill>
+                <a:schemeClr val="accent1"/>
+              </a:solidFill>
+            </a:endParaRPr>
+          </a:p>
+        </p:txBody>
+      </p:sp>
+      <p:sp>
+        <p:nvSpPr>
+          <p:cNvPr id="4" name="Arrow: Left-Right 3">
+            <a:extLst>
+              <a:ext uri="{FF2B5EF4-FFF2-40B4-BE49-F238E27FC236}">
+                <a16:creationId xmlns:a16="http://schemas.microsoft.com/office/drawing/2014/main" id="{022C15AC-AF7B-460E-8033-14D8CB69B82B}"/>
+              </a:ext>
+            </a:extLst>
+          </p:cNvPr>
+          <p:cNvSpPr/>
+          <p:nvPr/>
+        </p:nvSpPr>
+        <p:spPr>
+          <a:xfrm>
+            <a:off x="1427748" y="5570621"/>
+            <a:ext cx="8518358" cy="866274"/>
+          </a:xfrm>
+          <a:prstGeom prst="leftRightArrow">
+            <a:avLst/>
+          </a:prstGeom>
+        </p:spPr>
+        <p:style>
+          <a:lnRef idx="2">
+            <a:schemeClr val="accent1">
+              <a:shade val="50000"/>
+            </a:schemeClr>
+          </a:lnRef>
+          <a:fillRef idx="1">
+            <a:schemeClr val="accent1"/>
+          </a:fillRef>
+          <a:effectRef idx="0">
+            <a:schemeClr val="accent1"/>
+          </a:effectRef>
+          <a:fontRef idx="minor">
+            <a:schemeClr val="lt1"/>
+          </a:fontRef>
+        </p:style>
+        <p:txBody>
+          <a:bodyPr rtlCol="0" anchor="ctr"/>
+          <a:lstStyle/>
+          <a:p>
+            <a:pPr algn="ctr"/>
+            <a:endParaRPr lang="en-US"/>
+          </a:p>
+        </p:txBody>
+      </p:sp>
+      <p:sp>
+        <p:nvSpPr>
+          <p:cNvPr id="5" name="TextBox 4">
+            <a:extLst>
+              <a:ext uri="{FF2B5EF4-FFF2-40B4-BE49-F238E27FC236}">
+                <a16:creationId xmlns:a16="http://schemas.microsoft.com/office/drawing/2014/main" id="{13AF36E5-475E-4F1E-8085-36D4D314CDDC}"/>
+              </a:ext>
+            </a:extLst>
+          </p:cNvPr>
+          <p:cNvSpPr txBox="1"/>
+          <p:nvPr/>
+        </p:nvSpPr>
+        <p:spPr>
+          <a:xfrm>
+            <a:off x="772513" y="5588259"/>
+            <a:ext cx="538930" cy="830997"/>
+          </a:xfrm>
+          <a:prstGeom prst="rect">
+            <a:avLst/>
+          </a:prstGeom>
+          <a:noFill/>
+        </p:spPr>
+        <p:txBody>
+          <a:bodyPr wrap="none" rtlCol="0">
+            <a:spAutoFit/>
+          </a:bodyPr>
+          <a:lstStyle/>
+          <a:p>
+            <a:r>
+              <a:rPr lang="en-US" sz="4800" b="1" dirty="0">
+                <a:solidFill>
+                  <a:srgbClr val="FFFFFF"/>
+                </a:solidFill>
+              </a:rPr>
+              <a:t>0</a:t>
+            </a:r>
+          </a:p>
+        </p:txBody>
+      </p:sp>
+      <p:sp>
+        <p:nvSpPr>
+          <p:cNvPr id="7" name="TextBox 6">
+            <a:extLst>
+              <a:ext uri="{FF2B5EF4-FFF2-40B4-BE49-F238E27FC236}">
+                <a16:creationId xmlns:a16="http://schemas.microsoft.com/office/drawing/2014/main" id="{9F64FC8C-0292-4EC9-A622-76089CA49134}"/>
+              </a:ext>
+            </a:extLst>
+          </p:cNvPr>
+          <p:cNvSpPr txBox="1"/>
+          <p:nvPr/>
+        </p:nvSpPr>
+        <p:spPr>
+          <a:xfrm>
+            <a:off x="10062411" y="5564195"/>
+            <a:ext cx="893193" cy="830997"/>
+          </a:xfrm>
+          <a:prstGeom prst="rect">
+            <a:avLst/>
+          </a:prstGeom>
+          <a:noFill/>
+        </p:spPr>
+        <p:txBody>
+          <a:bodyPr wrap="none" rtlCol="0">
+            <a:spAutoFit/>
+          </a:bodyPr>
+          <a:lstStyle/>
+          <a:p>
+            <a:r>
+              <a:rPr lang="en-US" sz="4800" b="1" dirty="0">
+                <a:solidFill>
+                  <a:srgbClr val="FFFFFF"/>
+                </a:solidFill>
+              </a:rPr>
+              <a:t>64</a:t>
+            </a:r>
+          </a:p>
+        </p:txBody>
+      </p:sp>
+      <p:sp>
+        <p:nvSpPr>
+          <p:cNvPr id="6" name="Arrow: Down 5">
+            <a:extLst>
+              <a:ext uri="{FF2B5EF4-FFF2-40B4-BE49-F238E27FC236}">
+                <a16:creationId xmlns:a16="http://schemas.microsoft.com/office/drawing/2014/main" id="{733B50B0-CDBA-4289-A206-53669331BC72}"/>
+              </a:ext>
+            </a:extLst>
+          </p:cNvPr>
+          <p:cNvSpPr/>
+          <p:nvPr/>
+        </p:nvSpPr>
+        <p:spPr>
+          <a:xfrm>
+            <a:off x="5807242" y="4914900"/>
+            <a:ext cx="577516" cy="733926"/>
+          </a:xfrm>
+          <a:prstGeom prst="downArrow">
+            <a:avLst/>
+          </a:prstGeom>
+          <a:solidFill>
+            <a:schemeClr val="accent6"/>
+          </a:solidFill>
+        </p:spPr>
+        <p:style>
+          <a:lnRef idx="2">
+            <a:schemeClr val="accent1">
+              <a:shade val="50000"/>
+            </a:schemeClr>
+          </a:lnRef>
+          <a:fillRef idx="1">
+            <a:schemeClr val="accent1"/>
+          </a:fillRef>
+          <a:effectRef idx="0">
+            <a:schemeClr val="accent1"/>
+          </a:effectRef>
+          <a:fontRef idx="minor">
+            <a:schemeClr val="lt1"/>
+          </a:fontRef>
+        </p:style>
+        <p:txBody>
+          <a:bodyPr rtlCol="0" anchor="ctr"/>
+          <a:lstStyle/>
+          <a:p>
+            <a:pPr algn="ctr"/>
+            <a:endParaRPr lang="en-US"/>
+          </a:p>
+        </p:txBody>
+      </p:sp>
+      <p:sp>
+        <p:nvSpPr>
+          <p:cNvPr id="9" name="TextBox 8">
+            <a:extLst>
+              <a:ext uri="{FF2B5EF4-FFF2-40B4-BE49-F238E27FC236}">
+                <a16:creationId xmlns:a16="http://schemas.microsoft.com/office/drawing/2014/main" id="{0447DA6F-ABB0-4FBD-998C-3A0D0F70597C}"/>
+              </a:ext>
+            </a:extLst>
+          </p:cNvPr>
+          <p:cNvSpPr txBox="1"/>
+          <p:nvPr/>
+        </p:nvSpPr>
+        <p:spPr>
+          <a:xfrm>
+            <a:off x="5652746" y="4102767"/>
+            <a:ext cx="893193" cy="830997"/>
+          </a:xfrm>
+          <a:prstGeom prst="rect">
+            <a:avLst/>
+          </a:prstGeom>
+          <a:noFill/>
+        </p:spPr>
+        <p:txBody>
+          <a:bodyPr wrap="none" rtlCol="0">
+            <a:spAutoFit/>
+          </a:bodyPr>
+          <a:lstStyle/>
+          <a:p>
+            <a:r>
+              <a:rPr lang="en-US" sz="4800" b="1" dirty="0">
+                <a:solidFill>
+                  <a:srgbClr val="FFFFFF"/>
+                </a:solidFill>
+              </a:rPr>
+              <a:t>45</a:t>
+            </a:r>
+          </a:p>
+        </p:txBody>
+      </p:sp>
+      <p:sp>
+        <p:nvSpPr>
+          <p:cNvPr id="14" name="Arrow: Down 13">
+            <a:extLst>
+              <a:ext uri="{FF2B5EF4-FFF2-40B4-BE49-F238E27FC236}">
+                <a16:creationId xmlns:a16="http://schemas.microsoft.com/office/drawing/2014/main" id="{80967259-EDFC-4AEC-86B9-263E0978450D}"/>
+              </a:ext>
+            </a:extLst>
+          </p:cNvPr>
+          <p:cNvSpPr/>
+          <p:nvPr/>
+        </p:nvSpPr>
+        <p:spPr>
+          <a:xfrm>
+            <a:off x="4913464" y="4914900"/>
+            <a:ext cx="577516" cy="733926"/>
+          </a:xfrm>
+          <a:prstGeom prst="downArrow">
+            <a:avLst/>
+          </a:prstGeom>
+          <a:solidFill>
+            <a:schemeClr val="accent6"/>
+          </a:solidFill>
+        </p:spPr>
+        <p:style>
+          <a:lnRef idx="2">
+            <a:schemeClr val="accent1">
+              <a:shade val="50000"/>
+            </a:schemeClr>
+          </a:lnRef>
+          <a:fillRef idx="1">
+            <a:schemeClr val="accent1"/>
+          </a:fillRef>
+          <a:effectRef idx="0">
+            <a:schemeClr val="accent1"/>
+          </a:effectRef>
+          <a:fontRef idx="minor">
+            <a:schemeClr val="lt1"/>
+          </a:fontRef>
+        </p:style>
+        <p:txBody>
+          <a:bodyPr rtlCol="0" anchor="ctr"/>
+          <a:lstStyle/>
+          <a:p>
+            <a:pPr algn="ctr"/>
+            <a:endParaRPr lang="en-US"/>
+          </a:p>
+        </p:txBody>
+      </p:sp>
+      <p:sp>
+        <p:nvSpPr>
+          <p:cNvPr id="15" name="TextBox 14">
+            <a:extLst>
+              <a:ext uri="{FF2B5EF4-FFF2-40B4-BE49-F238E27FC236}">
+                <a16:creationId xmlns:a16="http://schemas.microsoft.com/office/drawing/2014/main" id="{938612DF-7D67-4673-97CE-D63B0AD6F0EB}"/>
+              </a:ext>
+            </a:extLst>
+          </p:cNvPr>
+          <p:cNvSpPr txBox="1"/>
+          <p:nvPr/>
+        </p:nvSpPr>
+        <p:spPr>
+          <a:xfrm>
+            <a:off x="4547235" y="3613918"/>
+            <a:ext cx="1309974" cy="1323439"/>
+          </a:xfrm>
+          <a:prstGeom prst="rect">
+            <a:avLst/>
+          </a:prstGeom>
+          <a:noFill/>
+        </p:spPr>
+        <p:txBody>
+          <a:bodyPr wrap="none" rtlCol="0">
+            <a:spAutoFit/>
+          </a:bodyPr>
+          <a:lstStyle/>
+          <a:p>
+            <a:pPr algn="ctr"/>
+            <a:r>
+              <a:rPr lang="en-US" sz="3200" b="1" dirty="0">
+                <a:solidFill>
+                  <a:srgbClr val="FFFFFF"/>
+                </a:solidFill>
+              </a:rPr>
+              <a:t>Guess</a:t>
+            </a:r>
+          </a:p>
+          <a:p>
+            <a:pPr algn="ctr"/>
+            <a:r>
+              <a:rPr lang="en-US" sz="4800" b="1" dirty="0">
+                <a:solidFill>
+                  <a:srgbClr val="FFFFFF"/>
+                </a:solidFill>
+              </a:rPr>
+              <a:t>40</a:t>
+            </a:r>
+          </a:p>
+        </p:txBody>
+      </p:sp>
+    </p:spTree>
+    <p:extLst>
+      <p:ext uri="{BB962C8B-B14F-4D97-AF65-F5344CB8AC3E}">
+        <p14:creationId xmlns:p14="http://schemas.microsoft.com/office/powerpoint/2010/main" val="522241011"/>
+      </p:ext>
+    </p:extLst>
+  </p:cSld>
+  <p:clrMapOvr>
+    <a:masterClrMapping/>
+  </p:clrMapOvr>
+</p:sld>
+</file>
+
+<file path=ppt/slides/slide12.xml><?xml version="1.0" encoding="utf-8"?>
+<p:sld xmlns:a="http://schemas.openxmlformats.org/drawingml/2006/main" xmlns:r="http://schemas.openxmlformats.org/officeDocument/2006/relationships" xmlns:p="http://schemas.openxmlformats.org/presentationml/2006/main">
+  <p:cSld>
+    <p:spTree>
+      <p:nvGrpSpPr>
+        <p:cNvPr id="1" name=""/>
+        <p:cNvGrpSpPr/>
+        <p:nvPr/>
+      </p:nvGrpSpPr>
+      <p:grpSpPr>
+        <a:xfrm>
+          <a:off x="0" y="0"/>
+          <a:ext cx="0" cy="0"/>
+          <a:chOff x="0" y="0"/>
+          <a:chExt cx="0" cy="0"/>
+        </a:xfrm>
+      </p:grpSpPr>
+      <p:sp>
+        <p:nvSpPr>
+          <p:cNvPr id="2" name="Title 1">
+            <a:extLst>
+              <a:ext uri="{FF2B5EF4-FFF2-40B4-BE49-F238E27FC236}">
+                <a16:creationId xmlns:a16="http://schemas.microsoft.com/office/drawing/2014/main" id="{128C012E-E27C-4455-914A-F84B2E984449}"/>
+              </a:ext>
+            </a:extLst>
+          </p:cNvPr>
+          <p:cNvSpPr>
+            <a:spLocks noGrp="1"/>
+          </p:cNvSpPr>
+          <p:nvPr>
+            <p:ph type="title"/>
+          </p:nvPr>
+        </p:nvSpPr>
+        <p:spPr>
+          <a:xfrm>
+            <a:off x="838200" y="727514"/>
+            <a:ext cx="10515600" cy="656148"/>
+          </a:xfrm>
+        </p:spPr>
+        <p:txBody>
+          <a:bodyPr>
+            <a:normAutofit fontScale="90000"/>
+          </a:bodyPr>
+          <a:lstStyle/>
+          <a:p>
+            <a:r>
+              <a:rPr lang="en-US" b="1" dirty="0"/>
+              <a:t>Guessing Game</a:t>
+            </a:r>
+          </a:p>
+        </p:txBody>
+      </p:sp>
+      <p:sp>
+        <p:nvSpPr>
+          <p:cNvPr id="4" name="Arrow: Left-Right 3">
+            <a:extLst>
+              <a:ext uri="{FF2B5EF4-FFF2-40B4-BE49-F238E27FC236}">
+                <a16:creationId xmlns:a16="http://schemas.microsoft.com/office/drawing/2014/main" id="{022C15AC-AF7B-460E-8033-14D8CB69B82B}"/>
+              </a:ext>
+            </a:extLst>
+          </p:cNvPr>
+          <p:cNvSpPr/>
+          <p:nvPr/>
+        </p:nvSpPr>
+        <p:spPr>
+          <a:xfrm>
+            <a:off x="1427748" y="5570621"/>
+            <a:ext cx="8518358" cy="866274"/>
+          </a:xfrm>
+          <a:prstGeom prst="leftRightArrow">
+            <a:avLst/>
+          </a:prstGeom>
+        </p:spPr>
+        <p:style>
+          <a:lnRef idx="2">
+            <a:schemeClr val="accent1">
+              <a:shade val="50000"/>
+            </a:schemeClr>
+          </a:lnRef>
+          <a:fillRef idx="1">
+            <a:schemeClr val="accent1"/>
+          </a:fillRef>
+          <a:effectRef idx="0">
+            <a:schemeClr val="accent1"/>
+          </a:effectRef>
+          <a:fontRef idx="minor">
+            <a:schemeClr val="lt1"/>
+          </a:fontRef>
+        </p:style>
+        <p:txBody>
+          <a:bodyPr rtlCol="0" anchor="ctr"/>
+          <a:lstStyle/>
+          <a:p>
+            <a:pPr algn="ctr"/>
+            <a:endParaRPr lang="en-US"/>
+          </a:p>
+        </p:txBody>
+      </p:sp>
+      <p:sp>
+        <p:nvSpPr>
+          <p:cNvPr id="5" name="TextBox 4">
+            <a:extLst>
+              <a:ext uri="{FF2B5EF4-FFF2-40B4-BE49-F238E27FC236}">
+                <a16:creationId xmlns:a16="http://schemas.microsoft.com/office/drawing/2014/main" id="{13AF36E5-475E-4F1E-8085-36D4D314CDDC}"/>
+              </a:ext>
+            </a:extLst>
+          </p:cNvPr>
+          <p:cNvSpPr txBox="1"/>
+          <p:nvPr/>
+        </p:nvSpPr>
+        <p:spPr>
+          <a:xfrm>
+            <a:off x="439728" y="5581835"/>
+            <a:ext cx="893193" cy="830997"/>
+          </a:xfrm>
+          <a:prstGeom prst="rect">
+            <a:avLst/>
+          </a:prstGeom>
+          <a:noFill/>
+        </p:spPr>
+        <p:txBody>
+          <a:bodyPr wrap="none" rtlCol="0">
+            <a:spAutoFit/>
+          </a:bodyPr>
+          <a:lstStyle/>
+          <a:p>
+            <a:r>
+              <a:rPr lang="en-US" sz="4800" b="1" dirty="0">
+                <a:solidFill>
+                  <a:srgbClr val="FFFFFF"/>
+                </a:solidFill>
+              </a:rPr>
+              <a:t>40</a:t>
+            </a:r>
+          </a:p>
+        </p:txBody>
+      </p:sp>
+      <p:sp>
+        <p:nvSpPr>
+          <p:cNvPr id="7" name="TextBox 6">
+            <a:extLst>
+              <a:ext uri="{FF2B5EF4-FFF2-40B4-BE49-F238E27FC236}">
+                <a16:creationId xmlns:a16="http://schemas.microsoft.com/office/drawing/2014/main" id="{9F64FC8C-0292-4EC9-A622-76089CA49134}"/>
+              </a:ext>
+            </a:extLst>
+          </p:cNvPr>
+          <p:cNvSpPr txBox="1"/>
+          <p:nvPr/>
+        </p:nvSpPr>
+        <p:spPr>
+          <a:xfrm>
+            <a:off x="10062411" y="5564195"/>
+            <a:ext cx="893193" cy="830997"/>
+          </a:xfrm>
+          <a:prstGeom prst="rect">
+            <a:avLst/>
+          </a:prstGeom>
+          <a:noFill/>
+        </p:spPr>
+        <p:txBody>
+          <a:bodyPr wrap="none" rtlCol="0">
+            <a:spAutoFit/>
+          </a:bodyPr>
+          <a:lstStyle/>
+          <a:p>
+            <a:r>
+              <a:rPr lang="en-US" sz="4800" b="1" dirty="0">
+                <a:solidFill>
+                  <a:srgbClr val="FFFFFF"/>
+                </a:solidFill>
+              </a:rPr>
+              <a:t>64</a:t>
+            </a:r>
+          </a:p>
+        </p:txBody>
+      </p:sp>
+      <p:sp>
+        <p:nvSpPr>
+          <p:cNvPr id="9" name="Arrow: Down 8">
+            <a:extLst>
+              <a:ext uri="{FF2B5EF4-FFF2-40B4-BE49-F238E27FC236}">
+                <a16:creationId xmlns:a16="http://schemas.microsoft.com/office/drawing/2014/main" id="{4E85E84E-14DE-40EA-9247-23F52F7B9905}"/>
+              </a:ext>
+            </a:extLst>
+          </p:cNvPr>
+          <p:cNvSpPr/>
+          <p:nvPr/>
+        </p:nvSpPr>
+        <p:spPr>
+          <a:xfrm>
+            <a:off x="5807242" y="4914900"/>
+            <a:ext cx="577516" cy="733926"/>
+          </a:xfrm>
+          <a:prstGeom prst="downArrow">
+            <a:avLst/>
+          </a:prstGeom>
+          <a:solidFill>
+            <a:schemeClr val="accent6"/>
+          </a:solidFill>
+        </p:spPr>
+        <p:style>
+          <a:lnRef idx="2">
+            <a:schemeClr val="accent1">
+              <a:shade val="50000"/>
+            </a:schemeClr>
+          </a:lnRef>
+          <a:fillRef idx="1">
+            <a:schemeClr val="accent1"/>
+          </a:fillRef>
+          <a:effectRef idx="0">
+            <a:schemeClr val="accent1"/>
+          </a:effectRef>
+          <a:fontRef idx="minor">
+            <a:schemeClr val="lt1"/>
+          </a:fontRef>
+        </p:style>
+        <p:txBody>
+          <a:bodyPr rtlCol="0" anchor="ctr"/>
+          <a:lstStyle/>
+          <a:p>
+            <a:pPr algn="ctr"/>
+            <a:endParaRPr lang="en-US"/>
+          </a:p>
+        </p:txBody>
+      </p:sp>
+      <p:sp>
+        <p:nvSpPr>
+          <p:cNvPr id="10" name="TextBox 9">
+            <a:extLst>
+              <a:ext uri="{FF2B5EF4-FFF2-40B4-BE49-F238E27FC236}">
+                <a16:creationId xmlns:a16="http://schemas.microsoft.com/office/drawing/2014/main" id="{38F8F260-554C-44A4-81BC-AF9C67EB4CCC}"/>
+              </a:ext>
+            </a:extLst>
+          </p:cNvPr>
+          <p:cNvSpPr txBox="1"/>
+          <p:nvPr/>
+        </p:nvSpPr>
+        <p:spPr>
+          <a:xfrm>
+            <a:off x="5652746" y="4102767"/>
+            <a:ext cx="893193" cy="830997"/>
+          </a:xfrm>
+          <a:prstGeom prst="rect">
+            <a:avLst/>
+          </a:prstGeom>
+          <a:noFill/>
+        </p:spPr>
+        <p:txBody>
+          <a:bodyPr wrap="none" rtlCol="0">
+            <a:spAutoFit/>
+          </a:bodyPr>
+          <a:lstStyle/>
+          <a:p>
+            <a:r>
+              <a:rPr lang="en-US" sz="4800" b="1" dirty="0">
+                <a:solidFill>
+                  <a:srgbClr val="FFFFFF"/>
+                </a:solidFill>
+              </a:rPr>
+              <a:t>45</a:t>
+            </a:r>
+          </a:p>
+        </p:txBody>
+      </p:sp>
+    </p:spTree>
+    <p:extLst>
+      <p:ext uri="{BB962C8B-B14F-4D97-AF65-F5344CB8AC3E}">
+        <p14:creationId xmlns:p14="http://schemas.microsoft.com/office/powerpoint/2010/main" val="1472762894"/>
+      </p:ext>
+    </p:extLst>
+  </p:cSld>
+  <p:clrMapOvr>
+    <a:masterClrMapping/>
+  </p:clrMapOvr>
+</p:sld>
+</file>
+
+<file path=ppt/slides/slide13.xml><?xml version="1.0" encoding="utf-8"?>
+<p:sld xmlns:a="http://schemas.openxmlformats.org/drawingml/2006/main" xmlns:r="http://schemas.openxmlformats.org/officeDocument/2006/relationships" xmlns:p="http://schemas.openxmlformats.org/presentationml/2006/main">
+  <p:cSld>
+    <p:spTree>
+      <p:nvGrpSpPr>
+        <p:cNvPr id="1" name=""/>
+        <p:cNvGrpSpPr/>
+        <p:nvPr/>
+      </p:nvGrpSpPr>
+      <p:grpSpPr>
+        <a:xfrm>
+          <a:off x="0" y="0"/>
+          <a:ext cx="0" cy="0"/>
+          <a:chOff x="0" y="0"/>
+          <a:chExt cx="0" cy="0"/>
+        </a:xfrm>
+      </p:grpSpPr>
+      <p:sp>
+        <p:nvSpPr>
+          <p:cNvPr id="2" name="Title 1">
+            <a:extLst>
+              <a:ext uri="{FF2B5EF4-FFF2-40B4-BE49-F238E27FC236}">
+                <a16:creationId xmlns:a16="http://schemas.microsoft.com/office/drawing/2014/main" id="{128C012E-E27C-4455-914A-F84B2E984449}"/>
+              </a:ext>
+            </a:extLst>
+          </p:cNvPr>
+          <p:cNvSpPr>
+            <a:spLocks noGrp="1"/>
+          </p:cNvSpPr>
+          <p:nvPr>
+            <p:ph type="title"/>
+          </p:nvPr>
+        </p:nvSpPr>
+        <p:spPr>
+          <a:xfrm>
+            <a:off x="838200" y="727514"/>
+            <a:ext cx="10515600" cy="656148"/>
+          </a:xfrm>
+        </p:spPr>
+        <p:txBody>
+          <a:bodyPr>
+            <a:normAutofit fontScale="90000"/>
+          </a:bodyPr>
+          <a:lstStyle/>
+          <a:p>
+            <a:r>
+              <a:rPr lang="en-US" b="1" dirty="0"/>
+              <a:t>Guessing Game</a:t>
+            </a:r>
+          </a:p>
+        </p:txBody>
+      </p:sp>
+      <p:sp>
+        <p:nvSpPr>
+          <p:cNvPr id="3" name="Content Placeholder 2">
+            <a:extLst>
+              <a:ext uri="{FF2B5EF4-FFF2-40B4-BE49-F238E27FC236}">
+                <a16:creationId xmlns:a16="http://schemas.microsoft.com/office/drawing/2014/main" id="{86B251CA-11BF-441F-8DAF-B316636B94DD}"/>
+              </a:ext>
+            </a:extLst>
+          </p:cNvPr>
+          <p:cNvSpPr>
+            <a:spLocks noGrp="1"/>
+          </p:cNvSpPr>
+          <p:nvPr>
+            <p:ph idx="1"/>
+          </p:nvPr>
+        </p:nvSpPr>
+        <p:spPr>
+          <a:xfrm>
+            <a:off x="838200" y="1825624"/>
+            <a:ext cx="9316453" cy="4900029"/>
+          </a:xfrm>
+        </p:spPr>
+        <p:txBody>
+          <a:bodyPr>
+            <a:normAutofit/>
+          </a:bodyPr>
+          <a:lstStyle/>
+          <a:p>
+            <a:r>
+              <a:rPr lang="en-US" sz="3200" dirty="0"/>
+              <a:t>The user guesses 45</a:t>
+            </a:r>
+            <a:r>
+              <a:rPr lang="en-US" sz="3200" dirty="0">
+                <a:solidFill>
+                  <a:schemeClr val="accent1"/>
+                </a:solidFill>
+              </a:rPr>
+              <a:t>.</a:t>
+            </a:r>
+          </a:p>
+          <a:p>
+            <a:pPr lvl="1"/>
+            <a:r>
+              <a:rPr lang="en-US" sz="2800" dirty="0"/>
+              <a:t>The computer says </a:t>
+            </a:r>
+            <a:r>
+              <a:rPr lang="en-US" sz="2800" b="1" dirty="0">
+                <a:solidFill>
+                  <a:schemeClr val="accent6"/>
+                </a:solidFill>
+              </a:rPr>
+              <a:t>YOU WIN</a:t>
+            </a:r>
+            <a:r>
+              <a:rPr lang="en-US" sz="2800" dirty="0">
+                <a:solidFill>
+                  <a:schemeClr val="accent1"/>
+                </a:solidFill>
+              </a:rPr>
+              <a:t>.</a:t>
+            </a:r>
+          </a:p>
+          <a:p>
+            <a:pPr lvl="1"/>
+            <a:endParaRPr lang="en-US" sz="2800" dirty="0">
+              <a:solidFill>
+                <a:schemeClr val="accent1"/>
+              </a:solidFill>
+            </a:endParaRPr>
+          </a:p>
+        </p:txBody>
+      </p:sp>
+      <p:sp>
+        <p:nvSpPr>
+          <p:cNvPr id="4" name="Arrow: Left-Right 3">
+            <a:extLst>
+              <a:ext uri="{FF2B5EF4-FFF2-40B4-BE49-F238E27FC236}">
+                <a16:creationId xmlns:a16="http://schemas.microsoft.com/office/drawing/2014/main" id="{022C15AC-AF7B-460E-8033-14D8CB69B82B}"/>
+              </a:ext>
+            </a:extLst>
+          </p:cNvPr>
+          <p:cNvSpPr/>
+          <p:nvPr/>
+        </p:nvSpPr>
+        <p:spPr>
+          <a:xfrm>
+            <a:off x="1427748" y="5570621"/>
+            <a:ext cx="8518358" cy="866274"/>
+          </a:xfrm>
+          <a:prstGeom prst="leftRightArrow">
+            <a:avLst/>
+          </a:prstGeom>
+        </p:spPr>
+        <p:style>
+          <a:lnRef idx="2">
+            <a:schemeClr val="accent1">
+              <a:shade val="50000"/>
+            </a:schemeClr>
+          </a:lnRef>
+          <a:fillRef idx="1">
+            <a:schemeClr val="accent1"/>
+          </a:fillRef>
+          <a:effectRef idx="0">
+            <a:schemeClr val="accent1"/>
+          </a:effectRef>
+          <a:fontRef idx="minor">
+            <a:schemeClr val="lt1"/>
+          </a:fontRef>
+        </p:style>
+        <p:txBody>
+          <a:bodyPr rtlCol="0" anchor="ctr"/>
+          <a:lstStyle/>
+          <a:p>
+            <a:pPr algn="ctr"/>
+            <a:endParaRPr lang="en-US"/>
+          </a:p>
+        </p:txBody>
+      </p:sp>
+      <p:sp>
+        <p:nvSpPr>
+          <p:cNvPr id="5" name="TextBox 4">
+            <a:extLst>
+              <a:ext uri="{FF2B5EF4-FFF2-40B4-BE49-F238E27FC236}">
+                <a16:creationId xmlns:a16="http://schemas.microsoft.com/office/drawing/2014/main" id="{13AF36E5-475E-4F1E-8085-36D4D314CDDC}"/>
+              </a:ext>
+            </a:extLst>
+          </p:cNvPr>
+          <p:cNvSpPr txBox="1"/>
+          <p:nvPr/>
+        </p:nvSpPr>
+        <p:spPr>
+          <a:xfrm>
+            <a:off x="439728" y="5581835"/>
+            <a:ext cx="893193" cy="830997"/>
+          </a:xfrm>
+          <a:prstGeom prst="rect">
+            <a:avLst/>
+          </a:prstGeom>
+          <a:noFill/>
+        </p:spPr>
+        <p:txBody>
+          <a:bodyPr wrap="none" rtlCol="0">
+            <a:spAutoFit/>
+          </a:bodyPr>
+          <a:lstStyle/>
+          <a:p>
+            <a:r>
+              <a:rPr lang="en-US" sz="4800" b="1" dirty="0">
+                <a:solidFill>
+                  <a:srgbClr val="FFFFFF"/>
+                </a:solidFill>
+              </a:rPr>
+              <a:t>40</a:t>
+            </a:r>
+          </a:p>
+        </p:txBody>
+      </p:sp>
+      <p:sp>
+        <p:nvSpPr>
+          <p:cNvPr id="7" name="TextBox 6">
+            <a:extLst>
+              <a:ext uri="{FF2B5EF4-FFF2-40B4-BE49-F238E27FC236}">
+                <a16:creationId xmlns:a16="http://schemas.microsoft.com/office/drawing/2014/main" id="{9F64FC8C-0292-4EC9-A622-76089CA49134}"/>
+              </a:ext>
+            </a:extLst>
+          </p:cNvPr>
+          <p:cNvSpPr txBox="1"/>
+          <p:nvPr/>
+        </p:nvSpPr>
+        <p:spPr>
+          <a:xfrm>
+            <a:off x="10062411" y="5564195"/>
+            <a:ext cx="893193" cy="830997"/>
+          </a:xfrm>
+          <a:prstGeom prst="rect">
+            <a:avLst/>
+          </a:prstGeom>
+          <a:noFill/>
+        </p:spPr>
+        <p:txBody>
+          <a:bodyPr wrap="none" rtlCol="0">
+            <a:spAutoFit/>
+          </a:bodyPr>
+          <a:lstStyle/>
+          <a:p>
+            <a:r>
+              <a:rPr lang="en-US" sz="4800" b="1" dirty="0">
+                <a:solidFill>
+                  <a:srgbClr val="FFFFFF"/>
+                </a:solidFill>
+              </a:rPr>
+              <a:t>64</a:t>
+            </a:r>
+          </a:p>
+        </p:txBody>
+      </p:sp>
+      <p:sp>
+        <p:nvSpPr>
+          <p:cNvPr id="6" name="Arrow: Down 5">
+            <a:extLst>
+              <a:ext uri="{FF2B5EF4-FFF2-40B4-BE49-F238E27FC236}">
+                <a16:creationId xmlns:a16="http://schemas.microsoft.com/office/drawing/2014/main" id="{733B50B0-CDBA-4289-A206-53669331BC72}"/>
+              </a:ext>
+            </a:extLst>
+          </p:cNvPr>
+          <p:cNvSpPr/>
+          <p:nvPr/>
+        </p:nvSpPr>
+        <p:spPr>
+          <a:xfrm>
+            <a:off x="5807242" y="4914900"/>
+            <a:ext cx="577516" cy="733926"/>
+          </a:xfrm>
+          <a:prstGeom prst="downArrow">
+            <a:avLst/>
+          </a:prstGeom>
+          <a:solidFill>
+            <a:schemeClr val="accent6"/>
+          </a:solidFill>
+        </p:spPr>
+        <p:style>
+          <a:lnRef idx="2">
+            <a:schemeClr val="accent1">
+              <a:shade val="50000"/>
+            </a:schemeClr>
+          </a:lnRef>
+          <a:fillRef idx="1">
+            <a:schemeClr val="accent1"/>
+          </a:fillRef>
+          <a:effectRef idx="0">
+            <a:schemeClr val="accent1"/>
+          </a:effectRef>
+          <a:fontRef idx="minor">
+            <a:schemeClr val="lt1"/>
+          </a:fontRef>
+        </p:style>
+        <p:txBody>
+          <a:bodyPr rtlCol="0" anchor="ctr"/>
+          <a:lstStyle/>
+          <a:p>
+            <a:pPr algn="ctr"/>
+            <a:endParaRPr lang="en-US"/>
+          </a:p>
+        </p:txBody>
+      </p:sp>
+      <p:sp>
+        <p:nvSpPr>
+          <p:cNvPr id="12" name="TextBox 11">
+            <a:extLst>
+              <a:ext uri="{FF2B5EF4-FFF2-40B4-BE49-F238E27FC236}">
+                <a16:creationId xmlns:a16="http://schemas.microsoft.com/office/drawing/2014/main" id="{936051AC-A239-4D47-B9D0-CBCB7190414D}"/>
+              </a:ext>
+            </a:extLst>
+          </p:cNvPr>
+          <p:cNvSpPr txBox="1"/>
+          <p:nvPr/>
+        </p:nvSpPr>
+        <p:spPr>
+          <a:xfrm>
+            <a:off x="5437571" y="3613918"/>
+            <a:ext cx="1309974" cy="1323439"/>
+          </a:xfrm>
+          <a:prstGeom prst="rect">
+            <a:avLst/>
+          </a:prstGeom>
+          <a:noFill/>
+        </p:spPr>
+        <p:txBody>
+          <a:bodyPr wrap="none" rtlCol="0">
+            <a:spAutoFit/>
+          </a:bodyPr>
+          <a:lstStyle/>
+          <a:p>
+            <a:pPr algn="ctr"/>
+            <a:r>
+              <a:rPr lang="en-US" sz="3200" b="1" dirty="0">
+                <a:solidFill>
+                  <a:srgbClr val="FFFFFF"/>
+                </a:solidFill>
+              </a:rPr>
+              <a:t>Guess</a:t>
+            </a:r>
+          </a:p>
+          <a:p>
+            <a:pPr algn="ctr"/>
+            <a:r>
+              <a:rPr lang="en-US" sz="4800" b="1" dirty="0">
+                <a:solidFill>
+                  <a:srgbClr val="FFFFFF"/>
+                </a:solidFill>
+              </a:rPr>
+              <a:t>45</a:t>
+            </a:r>
+          </a:p>
+        </p:txBody>
+      </p:sp>
+    </p:spTree>
+    <p:extLst>
+      <p:ext uri="{BB962C8B-B14F-4D97-AF65-F5344CB8AC3E}">
+        <p14:creationId xmlns:p14="http://schemas.microsoft.com/office/powerpoint/2010/main" val="2417919783"/>
+      </p:ext>
+    </p:extLst>
+  </p:cSld>
+  <p:clrMapOvr>
+    <a:masterClrMapping/>
+  </p:clrMapOvr>
+</p:sld>
+</file>
+
+<file path=ppt/slides/slide14.xml><?xml version="1.0" encoding="utf-8"?>
+<p:sld xmlns:a="http://schemas.openxmlformats.org/drawingml/2006/main" xmlns:r="http://schemas.openxmlformats.org/officeDocument/2006/relationships" xmlns:p="http://schemas.openxmlformats.org/presentationml/2006/main">
+  <p:cSld>
+    <p:spTree>
+      <p:nvGrpSpPr>
+        <p:cNvPr id="1" name=""/>
+        <p:cNvGrpSpPr/>
+        <p:nvPr/>
+      </p:nvGrpSpPr>
+      <p:grpSpPr>
+        <a:xfrm>
+          <a:off x="0" y="0"/>
+          <a:ext cx="0" cy="0"/>
+          <a:chOff x="0" y="0"/>
+          <a:chExt cx="0" cy="0"/>
+        </a:xfrm>
+      </p:grpSpPr>
+      <p:sp>
+        <p:nvSpPr>
+          <p:cNvPr id="2" name="Title 1">
+            <a:extLst>
+              <a:ext uri="{FF2B5EF4-FFF2-40B4-BE49-F238E27FC236}">
+                <a16:creationId xmlns:a16="http://schemas.microsoft.com/office/drawing/2014/main" id="{128C012E-E27C-4455-914A-F84B2E984449}"/>
+              </a:ext>
+            </a:extLst>
+          </p:cNvPr>
+          <p:cNvSpPr>
+            <a:spLocks noGrp="1"/>
+          </p:cNvSpPr>
+          <p:nvPr>
+            <p:ph type="title"/>
+          </p:nvPr>
+        </p:nvSpPr>
+        <p:spPr>
+          <a:xfrm>
+            <a:off x="838200" y="727514"/>
+            <a:ext cx="10515600" cy="656148"/>
+          </a:xfrm>
+        </p:spPr>
+        <p:txBody>
+          <a:bodyPr>
+            <a:normAutofit fontScale="90000"/>
+          </a:bodyPr>
+          <a:lstStyle/>
+          <a:p>
+            <a:r>
+              <a:rPr lang="en-US" b="1" dirty="0"/>
+              <a:t>Guessing Game</a:t>
+            </a:r>
+          </a:p>
+        </p:txBody>
+      </p:sp>
+      <p:sp>
+        <p:nvSpPr>
+          <p:cNvPr id="3" name="Content Placeholder 2">
+            <a:extLst>
+              <a:ext uri="{FF2B5EF4-FFF2-40B4-BE49-F238E27FC236}">
+                <a16:creationId xmlns:a16="http://schemas.microsoft.com/office/drawing/2014/main" id="{86B251CA-11BF-441F-8DAF-B316636B94DD}"/>
+              </a:ext>
+            </a:extLst>
+          </p:cNvPr>
+          <p:cNvSpPr>
+            <a:spLocks noGrp="1"/>
+          </p:cNvSpPr>
+          <p:nvPr>
+            <p:ph idx="1"/>
+          </p:nvPr>
+        </p:nvSpPr>
+        <p:spPr>
+          <a:xfrm>
+            <a:off x="838200" y="1825624"/>
+            <a:ext cx="6862011" cy="4900029"/>
+          </a:xfrm>
+        </p:spPr>
+        <p:txBody>
+          <a:bodyPr>
+            <a:normAutofit lnSpcReduction="10000"/>
+          </a:bodyPr>
+          <a:lstStyle/>
+          <a:p>
+            <a:r>
+              <a:rPr lang="en-US" sz="3200" dirty="0"/>
+              <a:t>Let</a:t>
+            </a:r>
+            <a:r>
+              <a:rPr lang="en-US" sz="3200" dirty="0">
+                <a:solidFill>
+                  <a:schemeClr val="accent1"/>
+                </a:solidFill>
+              </a:rPr>
+              <a:t>’</a:t>
+            </a:r>
+            <a:r>
+              <a:rPr lang="en-US" sz="3200" dirty="0"/>
+              <a:t>s build a simple guessing game</a:t>
+            </a:r>
+            <a:r>
+              <a:rPr lang="en-US" sz="3200" dirty="0">
+                <a:solidFill>
+                  <a:schemeClr val="accent1"/>
+                </a:solidFill>
+              </a:rPr>
+              <a:t>.</a:t>
+            </a:r>
+            <a:r>
+              <a:rPr lang="en-US" sz="3200" dirty="0"/>
+              <a:t> </a:t>
+            </a:r>
+            <a:endParaRPr lang="en-US" sz="3200" dirty="0">
+              <a:solidFill>
+                <a:schemeClr val="accent1"/>
+              </a:solidFill>
+            </a:endParaRPr>
+          </a:p>
+          <a:p>
+            <a:pPr marL="971550" lvl="1" indent="-514350">
+              <a:buFont typeface="+mj-lt"/>
+              <a:buAutoNum type="arabicPeriod"/>
+            </a:pPr>
+            <a:r>
+              <a:rPr lang="en-US" sz="2800" dirty="0"/>
+              <a:t>Get the computer to choose a random integer from 0 to 100</a:t>
+            </a:r>
+            <a:r>
+              <a:rPr lang="en-US" sz="2800" dirty="0">
+                <a:solidFill>
+                  <a:schemeClr val="accent1"/>
+                </a:solidFill>
+              </a:rPr>
+              <a:t>.</a:t>
+            </a:r>
+          </a:p>
+          <a:p>
+            <a:pPr marL="971550" lvl="1" indent="-514350">
+              <a:buFont typeface="+mj-lt"/>
+              <a:buAutoNum type="arabicPeriod"/>
+            </a:pPr>
+            <a:r>
+              <a:rPr lang="en-US" sz="2800" dirty="0"/>
+              <a:t>Ask the user for a guess and allow the user to input a guess or </a:t>
+            </a:r>
+            <a:r>
+              <a:rPr lang="en-US" sz="2800" dirty="0">
+                <a:solidFill>
+                  <a:schemeClr val="accent6"/>
+                </a:solidFill>
+              </a:rPr>
+              <a:t>"</a:t>
+            </a:r>
+            <a:r>
+              <a:rPr lang="en-US" sz="2800" dirty="0"/>
+              <a:t>q</a:t>
+            </a:r>
+            <a:r>
+              <a:rPr lang="en-US" sz="2800" dirty="0">
+                <a:solidFill>
+                  <a:schemeClr val="accent6"/>
+                </a:solidFill>
+              </a:rPr>
+              <a:t>“</a:t>
+            </a:r>
+            <a:r>
+              <a:rPr lang="en-US" sz="2800" dirty="0">
+                <a:solidFill>
+                  <a:schemeClr val="accent1"/>
+                </a:solidFill>
+              </a:rPr>
+              <a:t>.</a:t>
+            </a:r>
+          </a:p>
+          <a:p>
+            <a:pPr marL="971550" lvl="1" indent="-514350">
+              <a:buFont typeface="+mj-lt"/>
+              <a:buAutoNum type="arabicPeriod"/>
+            </a:pPr>
+            <a:r>
+              <a:rPr lang="en-US" sz="2800" dirty="0"/>
+              <a:t>If the user inputs </a:t>
+            </a:r>
+            <a:r>
+              <a:rPr lang="en-US" sz="2800" dirty="0">
+                <a:solidFill>
+                  <a:schemeClr val="accent6"/>
+                </a:solidFill>
+              </a:rPr>
+              <a:t>"</a:t>
+            </a:r>
+            <a:r>
+              <a:rPr lang="en-US" sz="2800" dirty="0"/>
+              <a:t>q</a:t>
+            </a:r>
+            <a:r>
+              <a:rPr lang="en-US" sz="2800" dirty="0">
+                <a:solidFill>
+                  <a:schemeClr val="accent6"/>
+                </a:solidFill>
+              </a:rPr>
+              <a:t>"</a:t>
+            </a:r>
+            <a:r>
+              <a:rPr lang="en-US" sz="2800" dirty="0"/>
+              <a:t> print a nice message and end the program</a:t>
+            </a:r>
+            <a:r>
+              <a:rPr lang="en-US" sz="2800" dirty="0">
+                <a:solidFill>
+                  <a:schemeClr val="accent1"/>
+                </a:solidFill>
+              </a:rPr>
+              <a:t>.</a:t>
+            </a:r>
+          </a:p>
+          <a:p>
+            <a:pPr marL="971550" lvl="1" indent="-514350">
+              <a:buFont typeface="+mj-lt"/>
+              <a:buAutoNum type="arabicPeriod"/>
+            </a:pPr>
+            <a:r>
+              <a:rPr lang="en-US" sz="2800" dirty="0"/>
+              <a:t>If the user enters a guess</a:t>
+            </a:r>
+            <a:r>
+              <a:rPr lang="en-US" sz="2800" dirty="0">
+                <a:solidFill>
+                  <a:schemeClr val="accent1"/>
+                </a:solidFill>
+              </a:rPr>
+              <a:t>,</a:t>
+            </a:r>
+            <a:r>
+              <a:rPr lang="en-US" sz="2800" dirty="0"/>
+              <a:t> tell them if they should guess higher</a:t>
+            </a:r>
+            <a:r>
+              <a:rPr lang="en-US" sz="2800" dirty="0">
+                <a:solidFill>
+                  <a:schemeClr val="accent1"/>
+                </a:solidFill>
+              </a:rPr>
+              <a:t>,</a:t>
+            </a:r>
+            <a:r>
+              <a:rPr lang="en-US" sz="2800" dirty="0"/>
+              <a:t> lower</a:t>
+            </a:r>
+            <a:r>
+              <a:rPr lang="en-US" sz="2800" dirty="0">
+                <a:solidFill>
+                  <a:schemeClr val="accent1"/>
+                </a:solidFill>
+              </a:rPr>
+              <a:t>,</a:t>
+            </a:r>
+            <a:r>
+              <a:rPr lang="en-US" sz="2800" dirty="0"/>
+              <a:t> or if they got it right</a:t>
+            </a:r>
+            <a:r>
+              <a:rPr lang="en-US" sz="2800" dirty="0">
+                <a:solidFill>
+                  <a:schemeClr val="accent1"/>
+                </a:solidFill>
+              </a:rPr>
+              <a:t>.</a:t>
+            </a:r>
+          </a:p>
+          <a:p>
+            <a:pPr marL="971550" lvl="1" indent="-514350">
+              <a:buFont typeface="+mj-lt"/>
+              <a:buAutoNum type="arabicPeriod"/>
+            </a:pPr>
+            <a:r>
+              <a:rPr lang="en-US" sz="2800" dirty="0"/>
+              <a:t>If they got it right</a:t>
+            </a:r>
+            <a:r>
+              <a:rPr lang="en-US" sz="2800" dirty="0">
+                <a:solidFill>
+                  <a:schemeClr val="accent1"/>
+                </a:solidFill>
+              </a:rPr>
+              <a:t>,</a:t>
+            </a:r>
+            <a:r>
+              <a:rPr lang="en-US" sz="2800" dirty="0"/>
+              <a:t> print a nice message and quit</a:t>
+            </a:r>
+            <a:r>
+              <a:rPr lang="en-US" sz="2800" dirty="0">
+                <a:solidFill>
+                  <a:schemeClr val="accent1"/>
+                </a:solidFill>
+              </a:rPr>
+              <a:t>.</a:t>
+            </a:r>
+          </a:p>
+        </p:txBody>
+      </p:sp>
+      <p:sp>
+        <p:nvSpPr>
+          <p:cNvPr id="11" name="Rectangle: Rounded Corners 10">
+            <a:extLst>
+              <a:ext uri="{FF2B5EF4-FFF2-40B4-BE49-F238E27FC236}">
+                <a16:creationId xmlns:a16="http://schemas.microsoft.com/office/drawing/2014/main" id="{2AD12892-252D-47E8-9C1B-32729A13BC0B}"/>
+              </a:ext>
+            </a:extLst>
+          </p:cNvPr>
+          <p:cNvSpPr/>
+          <p:nvPr/>
+        </p:nvSpPr>
+        <p:spPr>
+          <a:xfrm>
+            <a:off x="7844590" y="1949006"/>
+            <a:ext cx="3958389" cy="4418765"/>
+          </a:xfrm>
+          <a:prstGeom prst="roundRect">
+            <a:avLst/>
+          </a:prstGeom>
+          <a:noFill/>
+          <a:ln w="76200">
+            <a:solidFill>
+              <a:schemeClr val="accent2"/>
+            </a:solidFill>
+          </a:ln>
+        </p:spPr>
+        <p:style>
+          <a:lnRef idx="2">
+            <a:schemeClr val="accent1">
+              <a:shade val="50000"/>
+            </a:schemeClr>
+          </a:lnRef>
+          <a:fillRef idx="1">
+            <a:schemeClr val="accent1"/>
+          </a:fillRef>
+          <a:effectRef idx="0">
+            <a:schemeClr val="accent1"/>
+          </a:effectRef>
+          <a:fontRef idx="minor">
+            <a:schemeClr val="lt1"/>
+          </a:fontRef>
+        </p:style>
+        <p:txBody>
+          <a:bodyPr rtlCol="0" anchor="ctr"/>
+          <a:lstStyle/>
+          <a:p>
+            <a:r>
+              <a:rPr lang="en-US" sz="4400" b="1" dirty="0">
+                <a:solidFill>
+                  <a:srgbClr val="FFFFFF"/>
+                </a:solidFill>
+              </a:rPr>
+              <a:t>Open your notebook</a:t>
+            </a:r>
+          </a:p>
+          <a:p>
+            <a:endParaRPr lang="en-US" sz="4400" b="1" dirty="0">
+              <a:solidFill>
+                <a:srgbClr val="FFFFFF"/>
+              </a:solidFill>
+            </a:endParaRPr>
+          </a:p>
+          <a:p>
+            <a:r>
+              <a:rPr lang="en-US" sz="2800" b="1" dirty="0">
+                <a:solidFill>
+                  <a:srgbClr val="FFFFFF"/>
+                </a:solidFill>
+              </a:rPr>
+              <a:t>Click Link</a:t>
+            </a:r>
+            <a:r>
+              <a:rPr lang="en-US" sz="2800" b="1" dirty="0">
+                <a:solidFill>
+                  <a:schemeClr val="accent6"/>
+                </a:solidFill>
+              </a:rPr>
+              <a:t>:</a:t>
+            </a:r>
+          </a:p>
+          <a:p>
+            <a:r>
+              <a:rPr lang="en-US" sz="2800" b="1" dirty="0">
+                <a:solidFill>
+                  <a:schemeClr val="accent6"/>
+                </a:solidFill>
+              </a:rPr>
+              <a:t>3. </a:t>
+            </a:r>
+            <a:r>
+              <a:rPr lang="en-US" sz="2600" b="1" dirty="0">
+                <a:solidFill>
+                  <a:schemeClr val="accent6"/>
+                </a:solidFill>
+              </a:rPr>
+              <a:t>A Simple Guessing Game</a:t>
+            </a:r>
+          </a:p>
+        </p:txBody>
+      </p:sp>
+    </p:spTree>
+    <p:extLst>
+      <p:ext uri="{BB962C8B-B14F-4D97-AF65-F5344CB8AC3E}">
+        <p14:creationId xmlns:p14="http://schemas.microsoft.com/office/powerpoint/2010/main" val="3911853925"/>
+      </p:ext>
+    </p:extLst>
+  </p:cSld>
+  <p:clrMapOvr>
+    <a:masterClrMapping/>
+  </p:clrMapOvr>
+</p:sld>
+</file>
+
+<file path=ppt/slides/slide15.xml><?xml version="1.0" encoding="utf-8"?>
+<p:sld xmlns:a="http://schemas.openxmlformats.org/drawingml/2006/main" xmlns:r="http://schemas.openxmlformats.org/officeDocument/2006/relationships" xmlns:p="http://schemas.openxmlformats.org/presentationml/2006/main">
+  <p:cSld>
+    <p:spTree>
+      <p:nvGrpSpPr>
+        <p:cNvPr id="1" name=""/>
+        <p:cNvGrpSpPr/>
+        <p:nvPr/>
+      </p:nvGrpSpPr>
+      <p:grpSpPr>
+        <a:xfrm>
+          <a:off x="0" y="0"/>
+          <a:ext cx="0" cy="0"/>
+          <a:chOff x="0" y="0"/>
+          <a:chExt cx="0" cy="0"/>
+        </a:xfrm>
+      </p:grpSpPr>
+      <p:sp>
+        <p:nvSpPr>
           <p:cNvPr id="4" name="Title 3">
             <a:extLst>
               <a:ext uri="{FF2B5EF4-FFF2-40B4-BE49-F238E27FC236}">
@@ -1777,7 +3464,7 @@
 </p:sld>
 </file>
 
-<file path=ppt/slides/slide12.xml><?xml version="1.0" encoding="utf-8"?>
+<file path=ppt/slides/slide16.xml><?xml version="1.0" encoding="utf-8"?>
 <p:sld xmlns:a="http://schemas.openxmlformats.org/drawingml/2006/main" xmlns:r="http://schemas.openxmlformats.org/officeDocument/2006/relationships" xmlns:p="http://schemas.openxmlformats.org/presentationml/2006/main">
   <p:cSld>
     <p:spTree>
@@ -2262,7 +3949,7 @@
                   <a:schemeClr val="accent6"/>
                 </a:solidFill>
               </a:rPr>
-              <a:t>True</a:t>
+              <a:t>False</a:t>
             </a:r>
             <a:r>
               <a:rPr lang="en-US" dirty="0">
@@ -3580,6 +5267,57 @@
           </a:p>
         </p:txBody>
       </p:sp>
+      <p:sp>
+        <p:nvSpPr>
+          <p:cNvPr id="26" name="TextBox 25">
+            <a:extLst>
+              <a:ext uri="{FF2B5EF4-FFF2-40B4-BE49-F238E27FC236}">
+                <a16:creationId xmlns:a16="http://schemas.microsoft.com/office/drawing/2014/main" id="{8EE239F5-A05C-4BBE-B642-E2C69E139DC6}"/>
+              </a:ext>
+            </a:extLst>
+          </p:cNvPr>
+          <p:cNvSpPr txBox="1"/>
+          <p:nvPr/>
+        </p:nvSpPr>
+        <p:spPr>
+          <a:xfrm>
+            <a:off x="10777359" y="5173578"/>
+            <a:ext cx="1152880" cy="1077218"/>
+          </a:xfrm>
+          <a:prstGeom prst="rect">
+            <a:avLst/>
+          </a:prstGeom>
+          <a:noFill/>
+        </p:spPr>
+        <p:txBody>
+          <a:bodyPr wrap="none" rtlCol="0">
+            <a:spAutoFit/>
+          </a:bodyPr>
+          <a:lstStyle/>
+          <a:p>
+            <a:pPr algn="ctr"/>
+            <a:r>
+              <a:rPr lang="en-US" sz="3200" b="1" dirty="0">
+                <a:solidFill>
+                  <a:srgbClr val="FFFFFF"/>
+                </a:solidFill>
+              </a:rPr>
+              <a:t>Exit</a:t>
+            </a:r>
+          </a:p>
+          <a:p>
+            <a:pPr algn="ctr"/>
+            <a:r>
+              <a:rPr lang="en-US" sz="3200" b="1" dirty="0">
+                <a:solidFill>
+                  <a:srgbClr val="FFFFFF"/>
+                </a:solidFill>
+              </a:rPr>
+              <a:t>Loop</a:t>
+            </a:r>
+          </a:p>
+        </p:txBody>
+      </p:sp>
     </p:spTree>
     <p:extLst>
       <p:ext uri="{BB962C8B-B14F-4D97-AF65-F5344CB8AC3E}">
@@ -4319,16 +6057,8 @@
           <a:lstStyle/>
           <a:p>
             <a:r>
-              <a:rPr lang="en-US" b="1" dirty="0">
-                <a:solidFill>
-                  <a:schemeClr val="accent6"/>
-                </a:solidFill>
-              </a:rPr>
-              <a:t>Breakout Session </a:t>
-            </a:r>
-            <a:r>
               <a:rPr lang="en-US" b="1" dirty="0"/>
-              <a:t>1</a:t>
+              <a:t>Guessing Game</a:t>
             </a:r>
           </a:p>
         </p:txBody>
@@ -4351,92 +6081,212 @@
         </p:nvSpPr>
         <p:spPr>
           <a:xfrm>
-            <a:off x="838201" y="1825624"/>
-            <a:ext cx="5081336" cy="4900029"/>
+            <a:off x="838200" y="1825624"/>
+            <a:ext cx="6862011" cy="4900029"/>
           </a:xfrm>
         </p:spPr>
         <p:txBody>
           <a:bodyPr>
-            <a:normAutofit/>
+            <a:normAutofit lnSpcReduction="10000"/>
           </a:bodyPr>
           <a:lstStyle/>
           <a:p>
             <a:r>
               <a:rPr lang="en-US" sz="3200" dirty="0"/>
-              <a:t>Inside the while loop, complete the missing code.</a:t>
-            </a:r>
-          </a:p>
-          <a:p>
-            <a:r>
-              <a:rPr lang="en-US" sz="3200" b="1" dirty="0">
-                <a:solidFill>
-                  <a:schemeClr val="accent3"/>
-                </a:solidFill>
-              </a:rPr>
-              <a:t>if</a:t>
+              <a:t>Let</a:t>
+            </a:r>
+            <a:r>
+              <a:rPr lang="en-US" sz="3200" dirty="0">
+                <a:solidFill>
+                  <a:schemeClr val="accent1"/>
+                </a:solidFill>
+              </a:rPr>
+              <a:t>’</a:t>
+            </a:r>
+            <a:r>
+              <a:rPr lang="en-US" sz="3200" dirty="0"/>
+              <a:t>s build a simple guessing game</a:t>
+            </a:r>
+            <a:r>
+              <a:rPr lang="en-US" sz="3200" dirty="0">
+                <a:solidFill>
+                  <a:schemeClr val="accent1"/>
+                </a:solidFill>
+              </a:rPr>
+              <a:t>.</a:t>
             </a:r>
             <a:r>
               <a:rPr lang="en-US" sz="3200" dirty="0"/>
               <a:t> </a:t>
             </a:r>
-            <a:r>
-              <a:rPr lang="en-US" sz="3200" b="1" dirty="0">
+            <a:endParaRPr lang="en-US" sz="3200" dirty="0">
+              <a:solidFill>
+                <a:schemeClr val="accent1"/>
+              </a:solidFill>
+            </a:endParaRPr>
+          </a:p>
+          <a:p>
+            <a:pPr lvl="1"/>
+            <a:r>
+              <a:rPr lang="en-US" sz="2800" dirty="0"/>
+              <a:t>Get the computer to choose a random integer from 0 to 100</a:t>
+            </a:r>
+            <a:r>
+              <a:rPr lang="en-US" sz="2800" dirty="0">
+                <a:solidFill>
+                  <a:schemeClr val="accent1"/>
+                </a:solidFill>
+              </a:rPr>
+              <a:t>.</a:t>
+            </a:r>
+          </a:p>
+          <a:p>
+            <a:pPr lvl="1"/>
+            <a:r>
+              <a:rPr lang="en-US" sz="2800" dirty="0"/>
+              <a:t>Ask the user for a guess and allow the user to input a guess or </a:t>
+            </a:r>
+            <a:r>
+              <a:rPr lang="en-US" sz="2800" dirty="0">
                 <a:solidFill>
                   <a:schemeClr val="accent6"/>
                 </a:solidFill>
               </a:rPr>
-              <a:t>offset</a:t>
-            </a:r>
-            <a:r>
-              <a:rPr lang="en-US" sz="3200" dirty="0"/>
-              <a:t> is greater than zero</a:t>
-            </a:r>
-            <a:r>
-              <a:rPr lang="en-US" sz="3200" dirty="0">
-                <a:solidFill>
-                  <a:schemeClr val="accent3"/>
+              <a:t>"</a:t>
+            </a:r>
+            <a:r>
+              <a:rPr lang="en-US" sz="2800" dirty="0"/>
+              <a:t>q</a:t>
+            </a:r>
+            <a:r>
+              <a:rPr lang="en-US" sz="2800" dirty="0">
+                <a:solidFill>
+                  <a:schemeClr val="accent6"/>
+                </a:solidFill>
+              </a:rPr>
+              <a:t>“</a:t>
+            </a:r>
+            <a:r>
+              <a:rPr lang="en-US" sz="2800" dirty="0">
+                <a:solidFill>
+                  <a:schemeClr val="accent1"/>
+                </a:solidFill>
+              </a:rPr>
+              <a:t>.</a:t>
+            </a:r>
+          </a:p>
+          <a:p>
+            <a:pPr lvl="1"/>
+            <a:r>
+              <a:rPr lang="en-US" sz="2800" dirty="0"/>
+              <a:t>If the user inputs </a:t>
+            </a:r>
+            <a:r>
+              <a:rPr lang="en-US" sz="2800" dirty="0">
+                <a:solidFill>
+                  <a:schemeClr val="accent6"/>
+                </a:solidFill>
+              </a:rPr>
+              <a:t>"</a:t>
+            </a:r>
+            <a:r>
+              <a:rPr lang="en-US" sz="2800" dirty="0"/>
+              <a:t>q</a:t>
+            </a:r>
+            <a:r>
+              <a:rPr lang="en-US" sz="2800" dirty="0">
+                <a:solidFill>
+                  <a:schemeClr val="accent6"/>
+                </a:solidFill>
+              </a:rPr>
+              <a:t>"</a:t>
+            </a:r>
+            <a:r>
+              <a:rPr lang="en-US" sz="2800" dirty="0"/>
+              <a:t> print a nice message and end the program</a:t>
+            </a:r>
+            <a:r>
+              <a:rPr lang="en-US" sz="2800" dirty="0">
+                <a:solidFill>
+                  <a:schemeClr val="accent1"/>
+                </a:solidFill>
+              </a:rPr>
+              <a:t>.</a:t>
+            </a:r>
+          </a:p>
+          <a:p>
+            <a:pPr lvl="1"/>
+            <a:r>
+              <a:rPr lang="en-US" sz="2800" dirty="0"/>
+              <a:t>If the user enters a guess</a:t>
+            </a:r>
+            <a:r>
+              <a:rPr lang="en-US" sz="2800" dirty="0">
+                <a:solidFill>
+                  <a:schemeClr val="accent1"/>
                 </a:solidFill>
               </a:rPr>
               <a:t>,</a:t>
             </a:r>
             <a:r>
-              <a:rPr lang="en-US" sz="3200" dirty="0"/>
-              <a:t> decrease offset by 1</a:t>
-            </a:r>
-            <a:r>
-              <a:rPr lang="en-US" sz="3200" dirty="0">
-                <a:solidFill>
-                  <a:schemeClr val="accent3"/>
+              <a:rPr lang="en-US" sz="2800" dirty="0"/>
+              <a:t> tell them if they should guess higher</a:t>
+            </a:r>
+            <a:r>
+              <a:rPr lang="en-US" sz="2800" dirty="0">
+                <a:solidFill>
+                  <a:schemeClr val="accent1"/>
+                </a:solidFill>
+              </a:rPr>
+              <a:t>,</a:t>
+            </a:r>
+            <a:r>
+              <a:rPr lang="en-US" sz="2800" dirty="0"/>
+              <a:t> lower</a:t>
+            </a:r>
+            <a:r>
+              <a:rPr lang="en-US" sz="2800" dirty="0">
+                <a:solidFill>
+                  <a:schemeClr val="accent1"/>
+                </a:solidFill>
+              </a:rPr>
+              <a:t>,</a:t>
+            </a:r>
+            <a:r>
+              <a:rPr lang="en-US" sz="2800" dirty="0"/>
+              <a:t> or if they got it right</a:t>
+            </a:r>
+            <a:r>
+              <a:rPr lang="en-US" sz="2800" dirty="0">
+                <a:solidFill>
+                  <a:schemeClr val="accent1"/>
                 </a:solidFill>
               </a:rPr>
               <a:t>.</a:t>
             </a:r>
           </a:p>
           <a:p>
-            <a:r>
-              <a:rPr lang="en-US" sz="3200" b="1" dirty="0">
-                <a:solidFill>
-                  <a:schemeClr val="accent3"/>
-                </a:solidFill>
-              </a:rPr>
-              <a:t>else</a:t>
-            </a:r>
-            <a:r>
-              <a:rPr lang="en-US" sz="3200" dirty="0">
-                <a:solidFill>
-                  <a:schemeClr val="accent3"/>
+            <a:pPr lvl="1"/>
+            <a:r>
+              <a:rPr lang="en-US" sz="2800" dirty="0"/>
+              <a:t>If they got it right</a:t>
+            </a:r>
+            <a:r>
+              <a:rPr lang="en-US" sz="2800" dirty="0">
+                <a:solidFill>
+                  <a:schemeClr val="accent1"/>
                 </a:solidFill>
               </a:rPr>
               <a:t>,</a:t>
             </a:r>
             <a:r>
-              <a:rPr lang="en-US" sz="3200" dirty="0"/>
-              <a:t> increase offset by 1</a:t>
-            </a:r>
-            <a:r>
-              <a:rPr lang="en-US" sz="3200" dirty="0">
-                <a:solidFill>
-                  <a:schemeClr val="accent3"/>
+              <a:rPr lang="en-US" sz="2800" dirty="0"/>
+              <a:t> print a nice message and quit</a:t>
+            </a:r>
+            <a:r>
+              <a:rPr lang="en-US" sz="2800" dirty="0">
+                <a:solidFill>
+                  <a:schemeClr val="accent1"/>
                 </a:solidFill>
               </a:rPr>
               <a:t>.</a:t>
@@ -4444,192 +6294,57 @@
           </a:p>
         </p:txBody>
       </p:sp>
-      <p:sp>
-        <p:nvSpPr>
-          <p:cNvPr id="5" name="TextBox 4">
-            <a:extLst>
-              <a:ext uri="{FF2B5EF4-FFF2-40B4-BE49-F238E27FC236}">
-                <a16:creationId xmlns:a16="http://schemas.microsoft.com/office/drawing/2014/main" id="{7D69628F-9E2D-4488-B920-6881AFE4A2E2}"/>
-              </a:ext>
-            </a:extLst>
-          </p:cNvPr>
-          <p:cNvSpPr txBox="1"/>
+      <p:pic>
+        <p:nvPicPr>
+          <p:cNvPr id="3080" name="Picture 8" descr="Fantasmas comecocos png 3 » PNG Image">
+            <a:extLst>
+              <a:ext uri="{FF2B5EF4-FFF2-40B4-BE49-F238E27FC236}">
+                <a16:creationId xmlns:a16="http://schemas.microsoft.com/office/drawing/2014/main" id="{5ACEBED3-EB92-414C-81E9-E52FA32B2E53}"/>
+              </a:ext>
+            </a:extLst>
+          </p:cNvPr>
+          <p:cNvPicPr>
+            <a:picLocks noChangeAspect="1" noChangeArrowheads="1"/>
+          </p:cNvPicPr>
           <p:nvPr/>
-        </p:nvSpPr>
-        <p:spPr>
-          <a:xfrm>
-            <a:off x="5678873" y="1377307"/>
-            <a:ext cx="6396303" cy="5293757"/>
+        </p:nvPicPr>
+        <p:blipFill>
+          <a:blip r:embed="rId2">
+            <a:extLst>
+              <a:ext uri="{28A0092B-C50C-407E-A947-70E740481C1C}">
+                <a14:useLocalDpi xmlns:a14="http://schemas.microsoft.com/office/drawing/2010/main" val="0"/>
+              </a:ext>
+            </a:extLst>
+          </a:blip>
+          <a:srcRect/>
+          <a:stretch>
+            <a:fillRect/>
+          </a:stretch>
+        </p:blipFill>
+        <p:spPr bwMode="auto">
+          <a:xfrm>
+            <a:off x="8283072" y="1825624"/>
+            <a:ext cx="3395580" cy="3395580"/>
           </a:xfrm>
           <a:prstGeom prst="rect">
             <a:avLst/>
           </a:prstGeom>
           <a:noFill/>
-        </p:spPr>
-        <p:txBody>
-          <a:bodyPr wrap="none" rtlCol="0">
-            <a:spAutoFit/>
-          </a:bodyPr>
-          <a:lstStyle/>
-          <a:p>
-            <a:r>
-              <a:rPr lang="en-US" sz="2600" b="1" dirty="0">
-                <a:solidFill>
-                  <a:srgbClr val="00FF00"/>
-                </a:solidFill>
-                <a:latin typeface="Courier New" panose="02070309020205020404" pitchFamily="49" charset="0"/>
-                <a:cs typeface="Courier New" panose="02070309020205020404" pitchFamily="49" charset="0"/>
-              </a:rPr>
-              <a:t>offset = -10</a:t>
-            </a:r>
-          </a:p>
-          <a:p>
-            <a:endParaRPr lang="en-US" sz="2600" b="1" dirty="0">
-              <a:solidFill>
-                <a:srgbClr val="00FF00"/>
-              </a:solidFill>
-              <a:latin typeface="Courier New" panose="02070309020205020404" pitchFamily="49" charset="0"/>
-              <a:cs typeface="Courier New" panose="02070309020205020404" pitchFamily="49" charset="0"/>
-            </a:endParaRPr>
-          </a:p>
-          <a:p>
-            <a:r>
-              <a:rPr lang="en-US" sz="2600" b="1" dirty="0">
-                <a:solidFill>
-                  <a:srgbClr val="00FF00"/>
-                </a:solidFill>
-                <a:latin typeface="Courier New" panose="02070309020205020404" pitchFamily="49" charset="0"/>
-                <a:cs typeface="Courier New" panose="02070309020205020404" pitchFamily="49" charset="0"/>
-              </a:rPr>
-              <a:t>while offset != 0:</a:t>
-            </a:r>
-          </a:p>
-          <a:p>
-            <a:r>
-              <a:rPr lang="en-US" sz="2600" b="1" dirty="0">
-                <a:solidFill>
-                  <a:srgbClr val="00FF00"/>
-                </a:solidFill>
-                <a:latin typeface="Courier New" panose="02070309020205020404" pitchFamily="49" charset="0"/>
-                <a:cs typeface="Courier New" panose="02070309020205020404" pitchFamily="49" charset="0"/>
-              </a:rPr>
-              <a:t>    </a:t>
-            </a:r>
-          </a:p>
-          <a:p>
-            <a:r>
-              <a:rPr lang="en-US" sz="2600" b="1" dirty="0">
-                <a:solidFill>
-                  <a:srgbClr val="00FF00"/>
-                </a:solidFill>
-                <a:latin typeface="Courier New" panose="02070309020205020404" pitchFamily="49" charset="0"/>
-                <a:cs typeface="Courier New" panose="02070309020205020404" pitchFamily="49" charset="0"/>
-              </a:rPr>
-              <a:t>    print('Updating offset...')</a:t>
-            </a:r>
-          </a:p>
-          <a:p>
-            <a:r>
-              <a:rPr lang="en-US" sz="2600" b="1" dirty="0">
-                <a:solidFill>
-                  <a:srgbClr val="00FF00"/>
-                </a:solidFill>
-                <a:latin typeface="Courier New" panose="02070309020205020404" pitchFamily="49" charset="0"/>
-                <a:cs typeface="Courier New" panose="02070309020205020404" pitchFamily="49" charset="0"/>
-              </a:rPr>
-              <a:t>    </a:t>
-            </a:r>
-          </a:p>
-          <a:p>
-            <a:r>
-              <a:rPr lang="en-US" sz="2600" b="1" dirty="0">
-                <a:solidFill>
-                  <a:srgbClr val="00FF00"/>
-                </a:solidFill>
-                <a:latin typeface="Courier New" panose="02070309020205020404" pitchFamily="49" charset="0"/>
-                <a:cs typeface="Courier New" panose="02070309020205020404" pitchFamily="49" charset="0"/>
-              </a:rPr>
-              <a:t>    if _ _ _ _ _ _:</a:t>
-            </a:r>
-          </a:p>
-          <a:p>
-            <a:r>
-              <a:rPr lang="en-US" sz="2600" b="1" dirty="0">
-                <a:solidFill>
-                  <a:srgbClr val="00FF00"/>
-                </a:solidFill>
-                <a:latin typeface="Courier New" panose="02070309020205020404" pitchFamily="49" charset="0"/>
-                <a:cs typeface="Courier New" panose="02070309020205020404" pitchFamily="49" charset="0"/>
-              </a:rPr>
-              <a:t>        _ _ _ _ _ _</a:t>
-            </a:r>
-          </a:p>
-          <a:p>
-            <a:r>
-              <a:rPr lang="en-US" sz="2600" b="1" dirty="0">
-                <a:solidFill>
-                  <a:srgbClr val="00FF00"/>
-                </a:solidFill>
-                <a:latin typeface="Courier New" panose="02070309020205020404" pitchFamily="49" charset="0"/>
-                <a:cs typeface="Courier New" panose="02070309020205020404" pitchFamily="49" charset="0"/>
-              </a:rPr>
-              <a:t>        </a:t>
-            </a:r>
-          </a:p>
-          <a:p>
-            <a:r>
-              <a:rPr lang="en-US" sz="2600" b="1" dirty="0">
-                <a:solidFill>
-                  <a:srgbClr val="00FF00"/>
-                </a:solidFill>
-                <a:latin typeface="Courier New" panose="02070309020205020404" pitchFamily="49" charset="0"/>
-                <a:cs typeface="Courier New" panose="02070309020205020404" pitchFamily="49" charset="0"/>
-              </a:rPr>
-              <a:t>    else: </a:t>
-            </a:r>
-          </a:p>
-          <a:p>
-            <a:r>
-              <a:rPr lang="en-US" sz="2600" b="1" dirty="0">
-                <a:solidFill>
-                  <a:srgbClr val="00FF00"/>
-                </a:solidFill>
-                <a:latin typeface="Courier New" panose="02070309020205020404" pitchFamily="49" charset="0"/>
-                <a:cs typeface="Courier New" panose="02070309020205020404" pitchFamily="49" charset="0"/>
-              </a:rPr>
-              <a:t>        _ _ _ _ _ _</a:t>
-            </a:r>
-          </a:p>
-          <a:p>
-            <a:r>
-              <a:rPr lang="en-US" sz="2600" b="1" dirty="0">
-                <a:solidFill>
-                  <a:srgbClr val="00FF00"/>
-                </a:solidFill>
-                <a:latin typeface="Courier New" panose="02070309020205020404" pitchFamily="49" charset="0"/>
-                <a:cs typeface="Courier New" panose="02070309020205020404" pitchFamily="49" charset="0"/>
-              </a:rPr>
-              <a:t>        </a:t>
-            </a:r>
-          </a:p>
-          <a:p>
-            <a:r>
-              <a:rPr lang="en-US" sz="2600" b="1" dirty="0">
-                <a:solidFill>
-                  <a:srgbClr val="00FF00"/>
-                </a:solidFill>
-                <a:latin typeface="Courier New" panose="02070309020205020404" pitchFamily="49" charset="0"/>
-                <a:cs typeface="Courier New" panose="02070309020205020404" pitchFamily="49" charset="0"/>
-              </a:rPr>
-              <a:t>    print(offset)</a:t>
-            </a:r>
-          </a:p>
-        </p:txBody>
-      </p:sp>
+          <a:extLst>
+            <a:ext uri="{909E8E84-426E-40DD-AFC4-6F175D3DCCD1}">
+              <a14:hiddenFill xmlns:a14="http://schemas.microsoft.com/office/drawing/2010/main">
+                <a:solidFill>
+                  <a:srgbClr val="FFFFFF"/>
+                </a:solidFill>
+              </a14:hiddenFill>
+            </a:ext>
+          </a:extLst>
+        </p:spPr>
+      </p:pic>
     </p:spTree>
     <p:extLst>
       <p:ext uri="{BB962C8B-B14F-4D97-AF65-F5344CB8AC3E}">
-        <p14:creationId xmlns:p14="http://schemas.microsoft.com/office/powerpoint/2010/main" val="2195871676"/>
+        <p14:creationId xmlns:p14="http://schemas.microsoft.com/office/powerpoint/2010/main" val="1157149472"/>
       </p:ext>
     </p:extLst>
   </p:cSld>
@@ -4685,16 +6400,8 @@
           <a:lstStyle/>
           <a:p>
             <a:r>
-              <a:rPr lang="en-US" b="1" dirty="0">
-                <a:solidFill>
-                  <a:schemeClr val="accent6"/>
-                </a:solidFill>
-              </a:rPr>
-              <a:t>Breakout Session </a:t>
-            </a:r>
-            <a:r>
               <a:rPr lang="en-US" b="1" dirty="0"/>
-              <a:t>1</a:t>
+              <a:t>Guessing Game</a:t>
             </a:r>
           </a:p>
         </p:txBody>
@@ -4717,8 +6424,8 @@
         </p:nvSpPr>
         <p:spPr>
           <a:xfrm>
-            <a:off x="838201" y="1825624"/>
-            <a:ext cx="6657474" cy="4900029"/>
+            <a:off x="838200" y="1825624"/>
+            <a:ext cx="9316453" cy="4900029"/>
           </a:xfrm>
         </p:spPr>
         <p:txBody>
@@ -4729,105 +6436,48 @@
           <a:p>
             <a:r>
               <a:rPr lang="en-US" sz="3200" dirty="0"/>
-              <a:t>Inside the while loop</a:t>
+              <a:t>Get the computer to choose a random integer from 0 to 100</a:t>
             </a:r>
             <a:r>
               <a:rPr lang="en-US" sz="3200" dirty="0">
                 <a:solidFill>
-                  <a:schemeClr val="accent3"/>
-                </a:solidFill>
-              </a:rPr>
-              <a:t>,</a:t>
-            </a:r>
-            <a:r>
-              <a:rPr lang="en-US" sz="3200" dirty="0"/>
-              <a:t> complete the missing code</a:t>
-            </a:r>
-            <a:r>
-              <a:rPr lang="en-US" sz="3200" dirty="0">
-                <a:solidFill>
-                  <a:schemeClr val="accent3"/>
+                  <a:schemeClr val="accent1"/>
                 </a:solidFill>
               </a:rPr>
               <a:t>.</a:t>
             </a:r>
           </a:p>
           <a:p>
-            <a:r>
-              <a:rPr lang="en-US" sz="3200" dirty="0">
-                <a:solidFill>
-                  <a:schemeClr val="accent3"/>
-                </a:solidFill>
-              </a:rPr>
-              <a:t>if</a:t>
-            </a:r>
-            <a:r>
-              <a:rPr lang="en-US" sz="3200" dirty="0"/>
-              <a:t> </a:t>
-            </a:r>
-            <a:r>
-              <a:rPr lang="en-US" sz="3200" b="1" dirty="0">
-                <a:solidFill>
-                  <a:schemeClr val="accent6"/>
-                </a:solidFill>
-              </a:rPr>
-              <a:t>offset</a:t>
-            </a:r>
-            <a:r>
-              <a:rPr lang="en-US" sz="3200" dirty="0"/>
-              <a:t> is greater than zero</a:t>
-            </a:r>
-            <a:r>
-              <a:rPr lang="en-US" sz="3200" dirty="0">
-                <a:solidFill>
-                  <a:schemeClr val="accent3"/>
-                </a:solidFill>
-              </a:rPr>
-              <a:t>,</a:t>
-            </a:r>
-            <a:r>
-              <a:rPr lang="en-US" sz="3200" dirty="0"/>
-              <a:t> decrease offset by 1</a:t>
-            </a:r>
-            <a:r>
-              <a:rPr lang="en-US" sz="3200" dirty="0">
-                <a:solidFill>
-                  <a:schemeClr val="accent3"/>
+            <a:pPr lvl="1"/>
+            <a:r>
+              <a:rPr lang="en-US" sz="2800" dirty="0"/>
+              <a:t>The computer selects 45</a:t>
+            </a:r>
+            <a:r>
+              <a:rPr lang="en-US" sz="2800" dirty="0">
+                <a:solidFill>
+                  <a:schemeClr val="accent1"/>
                 </a:solidFill>
               </a:rPr>
               <a:t>.</a:t>
             </a:r>
           </a:p>
           <a:p>
-            <a:r>
-              <a:rPr lang="en-US" sz="3200" dirty="0">
-                <a:solidFill>
-                  <a:schemeClr val="accent3"/>
-                </a:solidFill>
-              </a:rPr>
-              <a:t>else,</a:t>
-            </a:r>
-            <a:r>
-              <a:rPr lang="en-US" sz="3200" dirty="0"/>
-              <a:t> increase offset by 1</a:t>
-            </a:r>
-            <a:r>
-              <a:rPr lang="en-US" sz="3200" dirty="0">
-                <a:solidFill>
-                  <a:schemeClr val="accent3"/>
-                </a:solidFill>
-              </a:rPr>
-              <a:t>.</a:t>
-            </a:r>
-          </a:p>
-        </p:txBody>
-      </p:sp>
-      <p:sp>
-        <p:nvSpPr>
-          <p:cNvPr id="11" name="Rectangle: Rounded Corners 10">
-            <a:extLst>
-              <a:ext uri="{FF2B5EF4-FFF2-40B4-BE49-F238E27FC236}">
-                <a16:creationId xmlns:a16="http://schemas.microsoft.com/office/drawing/2014/main" id="{2AD12892-252D-47E8-9C1B-32729A13BC0B}"/>
+            <a:pPr lvl="1"/>
+            <a:endParaRPr lang="en-US" sz="2800" dirty="0">
+              <a:solidFill>
+                <a:schemeClr val="accent1"/>
+              </a:solidFill>
+            </a:endParaRPr>
+          </a:p>
+        </p:txBody>
+      </p:sp>
+      <p:sp>
+        <p:nvSpPr>
+          <p:cNvPr id="4" name="Arrow: Left-Right 3">
+            <a:extLst>
+              <a:ext uri="{FF2B5EF4-FFF2-40B4-BE49-F238E27FC236}">
+                <a16:creationId xmlns:a16="http://schemas.microsoft.com/office/drawing/2014/main" id="{022C15AC-AF7B-460E-8033-14D8CB69B82B}"/>
               </a:ext>
             </a:extLst>
           </p:cNvPr>
@@ -4836,18 +6486,12 @@
         </p:nvSpPr>
         <p:spPr>
           <a:xfrm>
-            <a:off x="7844590" y="1949006"/>
-            <a:ext cx="3958389" cy="4418765"/>
-          </a:xfrm>
-          <a:prstGeom prst="roundRect">
+            <a:off x="1427748" y="5570621"/>
+            <a:ext cx="8518358" cy="866274"/>
+          </a:xfrm>
+          <a:prstGeom prst="leftRightArrow">
             <a:avLst/>
           </a:prstGeom>
-          <a:noFill/>
-          <a:ln w="76200">
-            <a:solidFill>
-              <a:schemeClr val="accent2"/>
-            </a:solidFill>
-          </a:ln>
         </p:spPr>
         <p:style>
           <a:lnRef idx="2">
@@ -4869,56 +6513,173 @@
           <a:bodyPr rtlCol="0" anchor="ctr"/>
           <a:lstStyle/>
           <a:p>
-            <a:r>
-              <a:rPr lang="en-US" sz="4400" b="1" dirty="0">
+            <a:pPr algn="ctr"/>
+            <a:endParaRPr lang="en-US"/>
+          </a:p>
+        </p:txBody>
+      </p:sp>
+      <p:sp>
+        <p:nvSpPr>
+          <p:cNvPr id="5" name="TextBox 4">
+            <a:extLst>
+              <a:ext uri="{FF2B5EF4-FFF2-40B4-BE49-F238E27FC236}">
+                <a16:creationId xmlns:a16="http://schemas.microsoft.com/office/drawing/2014/main" id="{13AF36E5-475E-4F1E-8085-36D4D314CDDC}"/>
+              </a:ext>
+            </a:extLst>
+          </p:cNvPr>
+          <p:cNvSpPr txBox="1"/>
+          <p:nvPr/>
+        </p:nvSpPr>
+        <p:spPr>
+          <a:xfrm>
+            <a:off x="772513" y="5588259"/>
+            <a:ext cx="538930" cy="830997"/>
+          </a:xfrm>
+          <a:prstGeom prst="rect">
+            <a:avLst/>
+          </a:prstGeom>
+          <a:noFill/>
+        </p:spPr>
+        <p:txBody>
+          <a:bodyPr wrap="none" rtlCol="0">
+            <a:spAutoFit/>
+          </a:bodyPr>
+          <a:lstStyle/>
+          <a:p>
+            <a:r>
+              <a:rPr lang="en-US" sz="4800" b="1" dirty="0">
                 <a:solidFill>
                   <a:srgbClr val="FFFFFF"/>
                 </a:solidFill>
               </a:rPr>
-              <a:t>Open your notebook</a:t>
-            </a:r>
-          </a:p>
-          <a:p>
-            <a:endParaRPr lang="en-US" sz="4400" b="1" dirty="0">
-              <a:solidFill>
-                <a:srgbClr val="FFFFFF"/>
-              </a:solidFill>
-            </a:endParaRPr>
-          </a:p>
-          <a:p>
-            <a:r>
-              <a:rPr lang="en-US" sz="2800" b="1" dirty="0">
+              <a:t>0</a:t>
+            </a:r>
+          </a:p>
+        </p:txBody>
+      </p:sp>
+      <p:sp>
+        <p:nvSpPr>
+          <p:cNvPr id="7" name="TextBox 6">
+            <a:extLst>
+              <a:ext uri="{FF2B5EF4-FFF2-40B4-BE49-F238E27FC236}">
+                <a16:creationId xmlns:a16="http://schemas.microsoft.com/office/drawing/2014/main" id="{9F64FC8C-0292-4EC9-A622-76089CA49134}"/>
+              </a:ext>
+            </a:extLst>
+          </p:cNvPr>
+          <p:cNvSpPr txBox="1"/>
+          <p:nvPr/>
+        </p:nvSpPr>
+        <p:spPr>
+          <a:xfrm>
+            <a:off x="10062411" y="5564195"/>
+            <a:ext cx="1247457" cy="830997"/>
+          </a:xfrm>
+          <a:prstGeom prst="rect">
+            <a:avLst/>
+          </a:prstGeom>
+          <a:noFill/>
+        </p:spPr>
+        <p:txBody>
+          <a:bodyPr wrap="none" rtlCol="0">
+            <a:spAutoFit/>
+          </a:bodyPr>
+          <a:lstStyle/>
+          <a:p>
+            <a:r>
+              <a:rPr lang="en-US" sz="4800" b="1" dirty="0">
                 <a:solidFill>
                   <a:srgbClr val="FFFFFF"/>
                 </a:solidFill>
               </a:rPr>
-              <a:t>Click Link</a:t>
-            </a:r>
-            <a:r>
-              <a:rPr lang="en-US" sz="2800" b="1" dirty="0">
-                <a:solidFill>
-                  <a:schemeClr val="accent6"/>
-                </a:solidFill>
-              </a:rPr>
-              <a:t>:</a:t>
-            </a:r>
-          </a:p>
-          <a:p>
-            <a:r>
-              <a:rPr lang="en-US" sz="2800" b="1" dirty="0">
-                <a:solidFill>
-                  <a:schemeClr val="accent6"/>
-                </a:solidFill>
-              </a:rPr>
-              <a:t>3. </a:t>
-            </a:r>
-            <a:r>
-              <a:rPr lang="en-US" sz="2600" b="1" dirty="0">
-                <a:solidFill>
-                  <a:schemeClr val="accent6"/>
-                </a:solidFill>
-              </a:rPr>
-              <a:t>Breakout Session 1</a:t>
+              <a:t>100</a:t>
+            </a:r>
+          </a:p>
+        </p:txBody>
+      </p:sp>
+      <p:sp>
+        <p:nvSpPr>
+          <p:cNvPr id="6" name="Arrow: Down 5">
+            <a:extLst>
+              <a:ext uri="{FF2B5EF4-FFF2-40B4-BE49-F238E27FC236}">
+                <a16:creationId xmlns:a16="http://schemas.microsoft.com/office/drawing/2014/main" id="{733B50B0-CDBA-4289-A206-53669331BC72}"/>
+              </a:ext>
+            </a:extLst>
+          </p:cNvPr>
+          <p:cNvSpPr/>
+          <p:nvPr/>
+        </p:nvSpPr>
+        <p:spPr>
+          <a:xfrm>
+            <a:off x="5807242" y="4914900"/>
+            <a:ext cx="577516" cy="733926"/>
+          </a:xfrm>
+          <a:prstGeom prst="downArrow">
+            <a:avLst/>
+          </a:prstGeom>
+          <a:solidFill>
+            <a:schemeClr val="accent6"/>
+          </a:solidFill>
+        </p:spPr>
+        <p:style>
+          <a:lnRef idx="2">
+            <a:schemeClr val="accent1">
+              <a:shade val="50000"/>
+            </a:schemeClr>
+          </a:lnRef>
+          <a:fillRef idx="1">
+            <a:schemeClr val="accent1"/>
+          </a:fillRef>
+          <a:effectRef idx="0">
+            <a:schemeClr val="accent1"/>
+          </a:effectRef>
+          <a:fontRef idx="minor">
+            <a:schemeClr val="lt1"/>
+          </a:fontRef>
+        </p:style>
+        <p:txBody>
+          <a:bodyPr rtlCol="0" anchor="ctr"/>
+          <a:lstStyle/>
+          <a:p>
+            <a:pPr algn="ctr"/>
+            <a:endParaRPr lang="en-US"/>
+          </a:p>
+        </p:txBody>
+      </p:sp>
+      <p:sp>
+        <p:nvSpPr>
+          <p:cNvPr id="9" name="TextBox 8">
+            <a:extLst>
+              <a:ext uri="{FF2B5EF4-FFF2-40B4-BE49-F238E27FC236}">
+                <a16:creationId xmlns:a16="http://schemas.microsoft.com/office/drawing/2014/main" id="{0447DA6F-ABB0-4FBD-998C-3A0D0F70597C}"/>
+              </a:ext>
+            </a:extLst>
+          </p:cNvPr>
+          <p:cNvSpPr txBox="1"/>
+          <p:nvPr/>
+        </p:nvSpPr>
+        <p:spPr>
+          <a:xfrm>
+            <a:off x="5652746" y="4102767"/>
+            <a:ext cx="893193" cy="830997"/>
+          </a:xfrm>
+          <a:prstGeom prst="rect">
+            <a:avLst/>
+          </a:prstGeom>
+          <a:noFill/>
+        </p:spPr>
+        <p:txBody>
+          <a:bodyPr wrap="none" rtlCol="0">
+            <a:spAutoFit/>
+          </a:bodyPr>
+          <a:lstStyle/>
+          <a:p>
+            <a:r>
+              <a:rPr lang="en-US" sz="4800" b="1" dirty="0">
+                <a:solidFill>
+                  <a:srgbClr val="FFFFFF"/>
+                </a:solidFill>
+              </a:rPr>
+              <a:t>45</a:t>
             </a:r>
           </a:p>
         </p:txBody>
@@ -4926,7 +6687,7 @@
     </p:spTree>
     <p:extLst>
       <p:ext uri="{BB962C8B-B14F-4D97-AF65-F5344CB8AC3E}">
-        <p14:creationId xmlns:p14="http://schemas.microsoft.com/office/powerpoint/2010/main" val="1488241433"/>
+        <p14:creationId xmlns:p14="http://schemas.microsoft.com/office/powerpoint/2010/main" val="274963191"/>
       </p:ext>
     </p:extLst>
   </p:cSld>
@@ -5007,18 +6768,18 @@
         <p:spPr>
           <a:xfrm>
             <a:off x="838200" y="1825624"/>
-            <a:ext cx="6862011" cy="4900029"/>
+            <a:ext cx="9316453" cy="4900029"/>
           </a:xfrm>
         </p:spPr>
         <p:txBody>
           <a:bodyPr>
-            <a:normAutofit lnSpcReduction="10000"/>
+            <a:normAutofit/>
           </a:bodyPr>
           <a:lstStyle/>
           <a:p>
             <a:r>
               <a:rPr lang="en-US" sz="3200" dirty="0"/>
-              <a:t>Let</a:t>
+              <a:t>The user guesses 64</a:t>
             </a:r>
             <a:r>
               <a:rPr lang="en-US" sz="3200" dirty="0">
@@ -5026,205 +6787,48 @@
                   <a:schemeClr val="accent1"/>
                 </a:solidFill>
               </a:rPr>
-              <a:t>’</a:t>
-            </a:r>
-            <a:r>
-              <a:rPr lang="en-US" sz="3200" dirty="0"/>
-              <a:t>s build a simple guessing game</a:t>
-            </a:r>
-            <a:r>
-              <a:rPr lang="en-US" sz="3200" dirty="0">
+              <a:t>.</a:t>
+            </a:r>
+          </a:p>
+          <a:p>
+            <a:pPr lvl="1"/>
+            <a:r>
+              <a:rPr lang="en-US" sz="2800" dirty="0"/>
+              <a:t>The computer says </a:t>
+            </a:r>
+            <a:r>
+              <a:rPr lang="en-US" sz="2800" b="1" dirty="0">
+                <a:solidFill>
+                  <a:schemeClr val="accent6"/>
+                </a:solidFill>
+              </a:rPr>
+              <a:t>LOWER</a:t>
+            </a:r>
+            <a:r>
+              <a:rPr lang="en-US" sz="2800" dirty="0">
                 <a:solidFill>
                   <a:schemeClr val="accent1"/>
                 </a:solidFill>
               </a:rPr>
               <a:t>.</a:t>
             </a:r>
-            <a:r>
-              <a:rPr lang="en-US" sz="3200" dirty="0"/>
-              <a:t> </a:t>
-            </a:r>
-            <a:endParaRPr lang="en-US" sz="3200" dirty="0">
+          </a:p>
+          <a:p>
+            <a:pPr lvl="1"/>
+            <a:endParaRPr lang="en-US" sz="2800" dirty="0">
               <a:solidFill>
                 <a:schemeClr val="accent1"/>
               </a:solidFill>
             </a:endParaRPr>
           </a:p>
-          <a:p>
-            <a:pPr lvl="1"/>
-            <a:r>
-              <a:rPr lang="en-US" sz="2800" dirty="0"/>
-              <a:t>Get the computer to choose a random integer from 0 to 100</a:t>
-            </a:r>
-            <a:r>
-              <a:rPr lang="en-US" sz="2800" dirty="0">
-                <a:solidFill>
-                  <a:schemeClr val="accent1"/>
-                </a:solidFill>
-              </a:rPr>
-              <a:t>.</a:t>
-            </a:r>
-          </a:p>
-          <a:p>
-            <a:pPr lvl="1"/>
-            <a:r>
-              <a:rPr lang="en-US" sz="2800" dirty="0"/>
-              <a:t>Ask the user for a guess and allow the user to input a guess or </a:t>
-            </a:r>
-            <a:r>
-              <a:rPr lang="en-US" sz="2800" dirty="0">
-                <a:solidFill>
-                  <a:schemeClr val="accent6"/>
-                </a:solidFill>
-              </a:rPr>
-              <a:t>"</a:t>
-            </a:r>
-            <a:r>
-              <a:rPr lang="en-US" sz="2800" dirty="0"/>
-              <a:t>q</a:t>
-            </a:r>
-            <a:r>
-              <a:rPr lang="en-US" sz="2800" dirty="0">
-                <a:solidFill>
-                  <a:schemeClr val="accent6"/>
-                </a:solidFill>
-              </a:rPr>
-              <a:t>“</a:t>
-            </a:r>
-            <a:r>
-              <a:rPr lang="en-US" sz="2800" dirty="0">
-                <a:solidFill>
-                  <a:schemeClr val="accent1"/>
-                </a:solidFill>
-              </a:rPr>
-              <a:t>.</a:t>
-            </a:r>
-          </a:p>
-          <a:p>
-            <a:pPr lvl="1"/>
-            <a:r>
-              <a:rPr lang="en-US" sz="2800" dirty="0"/>
-              <a:t>If the user inputs </a:t>
-            </a:r>
-            <a:r>
-              <a:rPr lang="en-US" sz="2800" dirty="0">
-                <a:solidFill>
-                  <a:schemeClr val="accent6"/>
-                </a:solidFill>
-              </a:rPr>
-              <a:t>"</a:t>
-            </a:r>
-            <a:r>
-              <a:rPr lang="en-US" sz="2800" dirty="0"/>
-              <a:t>q</a:t>
-            </a:r>
-            <a:r>
-              <a:rPr lang="en-US" sz="2800" dirty="0">
-                <a:solidFill>
-                  <a:schemeClr val="accent6"/>
-                </a:solidFill>
-              </a:rPr>
-              <a:t>"</a:t>
-            </a:r>
-            <a:r>
-              <a:rPr lang="en-US" sz="2800" dirty="0"/>
-              <a:t> print a nice message and end the program</a:t>
-            </a:r>
-            <a:r>
-              <a:rPr lang="en-US" sz="2800" dirty="0">
-                <a:solidFill>
-                  <a:schemeClr val="accent1"/>
-                </a:solidFill>
-              </a:rPr>
-              <a:t>.</a:t>
-            </a:r>
-          </a:p>
-          <a:p>
-            <a:pPr lvl="1"/>
-            <a:r>
-              <a:rPr lang="en-US" sz="2800" dirty="0"/>
-              <a:t>If the user enters a guess</a:t>
-            </a:r>
-            <a:r>
-              <a:rPr lang="en-US" sz="2800" dirty="0">
-                <a:solidFill>
-                  <a:schemeClr val="accent1"/>
-                </a:solidFill>
-              </a:rPr>
-              <a:t>,</a:t>
-            </a:r>
-            <a:r>
-              <a:rPr lang="en-US" sz="2800" dirty="0"/>
-              <a:t> tell them if they should guess higher</a:t>
-            </a:r>
-            <a:r>
-              <a:rPr lang="en-US" sz="2800" dirty="0">
-                <a:solidFill>
-                  <a:schemeClr val="accent1"/>
-                </a:solidFill>
-              </a:rPr>
-              <a:t>,</a:t>
-            </a:r>
-            <a:r>
-              <a:rPr lang="en-US" sz="2800" dirty="0"/>
-              <a:t> lower</a:t>
-            </a:r>
-            <a:r>
-              <a:rPr lang="en-US" sz="2800" dirty="0">
-                <a:solidFill>
-                  <a:schemeClr val="accent1"/>
-                </a:solidFill>
-              </a:rPr>
-              <a:t>,</a:t>
-            </a:r>
-            <a:r>
-              <a:rPr lang="en-US" sz="2800" dirty="0"/>
-              <a:t> or if they got it right</a:t>
-            </a:r>
-            <a:r>
-              <a:rPr lang="en-US" sz="2800" dirty="0">
-                <a:solidFill>
-                  <a:schemeClr val="accent1"/>
-                </a:solidFill>
-              </a:rPr>
-              <a:t>.</a:t>
-            </a:r>
-          </a:p>
-          <a:p>
-            <a:pPr lvl="1"/>
-            <a:r>
-              <a:rPr lang="en-US" sz="2800" dirty="0"/>
-              <a:t>If they got it right</a:t>
-            </a:r>
-            <a:r>
-              <a:rPr lang="en-US" sz="2800" dirty="0">
-                <a:solidFill>
-                  <a:schemeClr val="accent1"/>
-                </a:solidFill>
-              </a:rPr>
-              <a:t>,</a:t>
-            </a:r>
-            <a:r>
-              <a:rPr lang="en-US" sz="2800" dirty="0"/>
-              <a:t> print a nice message and quit</a:t>
-            </a:r>
-            <a:r>
-              <a:rPr lang="en-US" sz="2800" dirty="0">
-                <a:solidFill>
-                  <a:schemeClr val="accent1"/>
-                </a:solidFill>
-              </a:rPr>
-              <a:t>.</a:t>
-            </a:r>
-          </a:p>
-        </p:txBody>
-      </p:sp>
-      <p:sp>
-        <p:nvSpPr>
-          <p:cNvPr id="11" name="Rectangle: Rounded Corners 10">
-            <a:extLst>
-              <a:ext uri="{FF2B5EF4-FFF2-40B4-BE49-F238E27FC236}">
-                <a16:creationId xmlns:a16="http://schemas.microsoft.com/office/drawing/2014/main" id="{2AD12892-252D-47E8-9C1B-32729A13BC0B}"/>
+        </p:txBody>
+      </p:sp>
+      <p:sp>
+        <p:nvSpPr>
+          <p:cNvPr id="4" name="Arrow: Left-Right 3">
+            <a:extLst>
+              <a:ext uri="{FF2B5EF4-FFF2-40B4-BE49-F238E27FC236}">
+                <a16:creationId xmlns:a16="http://schemas.microsoft.com/office/drawing/2014/main" id="{022C15AC-AF7B-460E-8033-14D8CB69B82B}"/>
               </a:ext>
             </a:extLst>
           </p:cNvPr>
@@ -5233,18 +6837,12 @@
         </p:nvSpPr>
         <p:spPr>
           <a:xfrm>
-            <a:off x="7844590" y="1949006"/>
-            <a:ext cx="3958389" cy="4418765"/>
-          </a:xfrm>
-          <a:prstGeom prst="roundRect">
+            <a:off x="1427748" y="5570621"/>
+            <a:ext cx="8518358" cy="866274"/>
+          </a:xfrm>
+          <a:prstGeom prst="leftRightArrow">
             <a:avLst/>
           </a:prstGeom>
-          <a:noFill/>
-          <a:ln w="76200">
-            <a:solidFill>
-              <a:schemeClr val="accent2"/>
-            </a:solidFill>
-          </a:ln>
         </p:spPr>
         <p:style>
           <a:lnRef idx="2">
@@ -5266,56 +6864,273 @@
           <a:bodyPr rtlCol="0" anchor="ctr"/>
           <a:lstStyle/>
           <a:p>
-            <a:r>
-              <a:rPr lang="en-US" sz="4400" b="1" dirty="0">
+            <a:pPr algn="ctr"/>
+            <a:endParaRPr lang="en-US"/>
+          </a:p>
+        </p:txBody>
+      </p:sp>
+      <p:sp>
+        <p:nvSpPr>
+          <p:cNvPr id="5" name="TextBox 4">
+            <a:extLst>
+              <a:ext uri="{FF2B5EF4-FFF2-40B4-BE49-F238E27FC236}">
+                <a16:creationId xmlns:a16="http://schemas.microsoft.com/office/drawing/2014/main" id="{13AF36E5-475E-4F1E-8085-36D4D314CDDC}"/>
+              </a:ext>
+            </a:extLst>
+          </p:cNvPr>
+          <p:cNvSpPr txBox="1"/>
+          <p:nvPr/>
+        </p:nvSpPr>
+        <p:spPr>
+          <a:xfrm>
+            <a:off x="772513" y="5588259"/>
+            <a:ext cx="538930" cy="830997"/>
+          </a:xfrm>
+          <a:prstGeom prst="rect">
+            <a:avLst/>
+          </a:prstGeom>
+          <a:noFill/>
+        </p:spPr>
+        <p:txBody>
+          <a:bodyPr wrap="none" rtlCol="0">
+            <a:spAutoFit/>
+          </a:bodyPr>
+          <a:lstStyle/>
+          <a:p>
+            <a:r>
+              <a:rPr lang="en-US" sz="4800" b="1" dirty="0">
                 <a:solidFill>
                   <a:srgbClr val="FFFFFF"/>
                 </a:solidFill>
               </a:rPr>
-              <a:t>Open your notebook</a:t>
-            </a:r>
-          </a:p>
-          <a:p>
-            <a:endParaRPr lang="en-US" sz="4400" b="1" dirty="0">
-              <a:solidFill>
-                <a:srgbClr val="FFFFFF"/>
-              </a:solidFill>
-            </a:endParaRPr>
-          </a:p>
-          <a:p>
-            <a:r>
-              <a:rPr lang="en-US" sz="2800" b="1" dirty="0">
+              <a:t>0</a:t>
+            </a:r>
+          </a:p>
+        </p:txBody>
+      </p:sp>
+      <p:sp>
+        <p:nvSpPr>
+          <p:cNvPr id="7" name="TextBox 6">
+            <a:extLst>
+              <a:ext uri="{FF2B5EF4-FFF2-40B4-BE49-F238E27FC236}">
+                <a16:creationId xmlns:a16="http://schemas.microsoft.com/office/drawing/2014/main" id="{9F64FC8C-0292-4EC9-A622-76089CA49134}"/>
+              </a:ext>
+            </a:extLst>
+          </p:cNvPr>
+          <p:cNvSpPr txBox="1"/>
+          <p:nvPr/>
+        </p:nvSpPr>
+        <p:spPr>
+          <a:xfrm>
+            <a:off x="10062411" y="5564195"/>
+            <a:ext cx="1247457" cy="830997"/>
+          </a:xfrm>
+          <a:prstGeom prst="rect">
+            <a:avLst/>
+          </a:prstGeom>
+          <a:noFill/>
+        </p:spPr>
+        <p:txBody>
+          <a:bodyPr wrap="none" rtlCol="0">
+            <a:spAutoFit/>
+          </a:bodyPr>
+          <a:lstStyle/>
+          <a:p>
+            <a:r>
+              <a:rPr lang="en-US" sz="4800" b="1" dirty="0">
                 <a:solidFill>
                   <a:srgbClr val="FFFFFF"/>
                 </a:solidFill>
               </a:rPr>
-              <a:t>Click Link</a:t>
-            </a:r>
-            <a:r>
-              <a:rPr lang="en-US" sz="2800" b="1" dirty="0">
-                <a:solidFill>
-                  <a:schemeClr val="accent6"/>
-                </a:solidFill>
-              </a:rPr>
-              <a:t>:</a:t>
-            </a:r>
-          </a:p>
-          <a:p>
-            <a:r>
-              <a:rPr lang="en-US" sz="2800" b="1" dirty="0">
-                <a:solidFill>
-                  <a:schemeClr val="accent6"/>
-                </a:solidFill>
-              </a:rPr>
-              <a:t>4. </a:t>
-            </a:r>
-            <a:r>
-              <a:rPr lang="en-US" sz="2600" b="1" dirty="0">
-                <a:solidFill>
-                  <a:schemeClr val="accent6"/>
-                </a:solidFill>
-              </a:rPr>
-              <a:t>A Simple Guessing Game</a:t>
+              <a:t>100</a:t>
+            </a:r>
+          </a:p>
+        </p:txBody>
+      </p:sp>
+      <p:sp>
+        <p:nvSpPr>
+          <p:cNvPr id="6" name="Arrow: Down 5">
+            <a:extLst>
+              <a:ext uri="{FF2B5EF4-FFF2-40B4-BE49-F238E27FC236}">
+                <a16:creationId xmlns:a16="http://schemas.microsoft.com/office/drawing/2014/main" id="{733B50B0-CDBA-4289-A206-53669331BC72}"/>
+              </a:ext>
+            </a:extLst>
+          </p:cNvPr>
+          <p:cNvSpPr/>
+          <p:nvPr/>
+        </p:nvSpPr>
+        <p:spPr>
+          <a:xfrm>
+            <a:off x="5807242" y="4914900"/>
+            <a:ext cx="577516" cy="733926"/>
+          </a:xfrm>
+          <a:prstGeom prst="downArrow">
+            <a:avLst/>
+          </a:prstGeom>
+          <a:solidFill>
+            <a:schemeClr val="accent6"/>
+          </a:solidFill>
+        </p:spPr>
+        <p:style>
+          <a:lnRef idx="2">
+            <a:schemeClr val="accent1">
+              <a:shade val="50000"/>
+            </a:schemeClr>
+          </a:lnRef>
+          <a:fillRef idx="1">
+            <a:schemeClr val="accent1"/>
+          </a:fillRef>
+          <a:effectRef idx="0">
+            <a:schemeClr val="accent1"/>
+          </a:effectRef>
+          <a:fontRef idx="minor">
+            <a:schemeClr val="lt1"/>
+          </a:fontRef>
+        </p:style>
+        <p:txBody>
+          <a:bodyPr rtlCol="0" anchor="ctr"/>
+          <a:lstStyle/>
+          <a:p>
+            <a:pPr algn="ctr"/>
+            <a:endParaRPr lang="en-US"/>
+          </a:p>
+        </p:txBody>
+      </p:sp>
+      <p:sp>
+        <p:nvSpPr>
+          <p:cNvPr id="9" name="TextBox 8">
+            <a:extLst>
+              <a:ext uri="{FF2B5EF4-FFF2-40B4-BE49-F238E27FC236}">
+                <a16:creationId xmlns:a16="http://schemas.microsoft.com/office/drawing/2014/main" id="{0447DA6F-ABB0-4FBD-998C-3A0D0F70597C}"/>
+              </a:ext>
+            </a:extLst>
+          </p:cNvPr>
+          <p:cNvSpPr txBox="1"/>
+          <p:nvPr/>
+        </p:nvSpPr>
+        <p:spPr>
+          <a:xfrm>
+            <a:off x="5652746" y="4102767"/>
+            <a:ext cx="893193" cy="830997"/>
+          </a:xfrm>
+          <a:prstGeom prst="rect">
+            <a:avLst/>
+          </a:prstGeom>
+          <a:noFill/>
+        </p:spPr>
+        <p:txBody>
+          <a:bodyPr wrap="none" rtlCol="0">
+            <a:spAutoFit/>
+          </a:bodyPr>
+          <a:lstStyle/>
+          <a:p>
+            <a:r>
+              <a:rPr lang="en-US" sz="4800" b="1" dirty="0">
+                <a:solidFill>
+                  <a:srgbClr val="FFFFFF"/>
+                </a:solidFill>
+              </a:rPr>
+              <a:t>45</a:t>
+            </a:r>
+          </a:p>
+        </p:txBody>
+      </p:sp>
+      <p:sp>
+        <p:nvSpPr>
+          <p:cNvPr id="10" name="Arrow: Down 9">
+            <a:extLst>
+              <a:ext uri="{FF2B5EF4-FFF2-40B4-BE49-F238E27FC236}">
+                <a16:creationId xmlns:a16="http://schemas.microsoft.com/office/drawing/2014/main" id="{C1DDC466-6659-4A36-A754-88725CFDBD2A}"/>
+              </a:ext>
+            </a:extLst>
+          </p:cNvPr>
+          <p:cNvSpPr/>
+          <p:nvPr/>
+        </p:nvSpPr>
+        <p:spPr>
+          <a:xfrm>
+            <a:off x="7680733" y="4914900"/>
+            <a:ext cx="577516" cy="733926"/>
+          </a:xfrm>
+          <a:prstGeom prst="downArrow">
+            <a:avLst/>
+          </a:prstGeom>
+          <a:solidFill>
+            <a:schemeClr val="accent6"/>
+          </a:solidFill>
+        </p:spPr>
+        <p:style>
+          <a:lnRef idx="2">
+            <a:schemeClr val="accent1">
+              <a:shade val="50000"/>
+            </a:schemeClr>
+          </a:lnRef>
+          <a:fillRef idx="1">
+            <a:schemeClr val="accent1"/>
+          </a:fillRef>
+          <a:effectRef idx="0">
+            <a:schemeClr val="accent1"/>
+          </a:effectRef>
+          <a:fontRef idx="minor">
+            <a:schemeClr val="lt1"/>
+          </a:fontRef>
+        </p:style>
+        <p:txBody>
+          <a:bodyPr rtlCol="0" anchor="ctr"/>
+          <a:lstStyle/>
+          <a:p>
+            <a:pPr algn="ctr"/>
+            <a:endParaRPr lang="en-US"/>
+          </a:p>
+        </p:txBody>
+      </p:sp>
+      <p:sp>
+        <p:nvSpPr>
+          <p:cNvPr id="11" name="TextBox 10">
+            <a:extLst>
+              <a:ext uri="{FF2B5EF4-FFF2-40B4-BE49-F238E27FC236}">
+                <a16:creationId xmlns:a16="http://schemas.microsoft.com/office/drawing/2014/main" id="{B195CD0A-AEF3-4DF9-B80C-46CAB58B0EBE}"/>
+              </a:ext>
+            </a:extLst>
+          </p:cNvPr>
+          <p:cNvSpPr txBox="1"/>
+          <p:nvPr/>
+        </p:nvSpPr>
+        <p:spPr>
+          <a:xfrm>
+            <a:off x="7314504" y="3613918"/>
+            <a:ext cx="1309974" cy="1323439"/>
+          </a:xfrm>
+          <a:prstGeom prst="rect">
+            <a:avLst/>
+          </a:prstGeom>
+          <a:noFill/>
+        </p:spPr>
+        <p:txBody>
+          <a:bodyPr wrap="none" rtlCol="0">
+            <a:spAutoFit/>
+          </a:bodyPr>
+          <a:lstStyle/>
+          <a:p>
+            <a:pPr algn="ctr"/>
+            <a:r>
+              <a:rPr lang="en-US" sz="3200" b="1" dirty="0">
+                <a:solidFill>
+                  <a:srgbClr val="FFFFFF"/>
+                </a:solidFill>
+              </a:rPr>
+              <a:t>Guess</a:t>
+            </a:r>
+          </a:p>
+          <a:p>
+            <a:pPr algn="ctr"/>
+            <a:r>
+              <a:rPr lang="en-US" sz="4800" b="1" dirty="0">
+                <a:solidFill>
+                  <a:srgbClr val="FFFFFF"/>
+                </a:solidFill>
+              </a:rPr>
+              <a:t>64</a:t>
             </a:r>
           </a:p>
         </p:txBody>
@@ -5323,7 +7138,7 @@
     </p:spTree>
     <p:extLst>
       <p:ext uri="{BB962C8B-B14F-4D97-AF65-F5344CB8AC3E}">
-        <p14:creationId xmlns:p14="http://schemas.microsoft.com/office/powerpoint/2010/main" val="1157149472"/>
+        <p14:creationId xmlns:p14="http://schemas.microsoft.com/office/powerpoint/2010/main" val="3339925704"/>
       </p:ext>
     </p:extLst>
   </p:cSld>

--- a/lectures/week4/lecture2/slides/week4_lecture2.pptx
+++ b/lectures/week4/lecture2/slides/week4_lecture2.pptx
@@ -20,7 +20,8 @@
     <p:sldId id="338" r:id="rId14"/>
     <p:sldId id="334" r:id="rId15"/>
     <p:sldId id="324" r:id="rId16"/>
-    <p:sldId id="329" r:id="rId17"/>
+    <p:sldId id="341" r:id="rId17"/>
+    <p:sldId id="329" r:id="rId18"/>
   </p:sldIdLst>
   <p:sldSz cx="12192000" cy="6858000"/>
   <p:notesSz cx="6858000" cy="9144000"/>
@@ -3486,6 +3487,146 @@
           <p:cNvPr id="2" name="Title 1">
             <a:extLst>
               <a:ext uri="{FF2B5EF4-FFF2-40B4-BE49-F238E27FC236}">
+                <a16:creationId xmlns:a16="http://schemas.microsoft.com/office/drawing/2014/main" id="{86F3F9BE-9909-412C-9462-A6515E82B426}"/>
+              </a:ext>
+            </a:extLst>
+          </p:cNvPr>
+          <p:cNvSpPr>
+            <a:spLocks noGrp="1"/>
+          </p:cNvSpPr>
+          <p:nvPr>
+            <p:ph type="title"/>
+          </p:nvPr>
+        </p:nvSpPr>
+        <p:spPr/>
+        <p:txBody>
+          <a:bodyPr>
+            <a:normAutofit fontScale="90000"/>
+          </a:bodyPr>
+          <a:lstStyle/>
+          <a:p>
+            <a:r>
+              <a:rPr lang="en-US" b="1" dirty="0"/>
+              <a:t>Survey Time</a:t>
+            </a:r>
+          </a:p>
+        </p:txBody>
+      </p:sp>
+      <p:sp>
+        <p:nvSpPr>
+          <p:cNvPr id="3" name="Content Placeholder 2">
+            <a:extLst>
+              <a:ext uri="{FF2B5EF4-FFF2-40B4-BE49-F238E27FC236}">
+                <a16:creationId xmlns:a16="http://schemas.microsoft.com/office/drawing/2014/main" id="{3F4B748C-9266-47AE-9EB1-EE5192687382}"/>
+              </a:ext>
+            </a:extLst>
+          </p:cNvPr>
+          <p:cNvSpPr>
+            <a:spLocks noGrp="1"/>
+          </p:cNvSpPr>
+          <p:nvPr>
+            <p:ph idx="1"/>
+          </p:nvPr>
+        </p:nvSpPr>
+        <p:spPr>
+          <a:xfrm>
+            <a:off x="838200" y="1825624"/>
+            <a:ext cx="6075844" cy="4835479"/>
+          </a:xfrm>
+        </p:spPr>
+        <p:txBody>
+          <a:bodyPr/>
+          <a:lstStyle/>
+          <a:p>
+            <a:r>
+              <a:rPr lang="en-US" dirty="0"/>
+              <a:t>https://forms.office.com/Pages/ResponsePage.aspx?id=JsKqeAMvTUuQN7RtVsVSEBmg97p_l4xCsCILcN6ARR5UQ1IyMDA1S0FaNzlONEw2VkcxUFZFMFo3MS4u</a:t>
+            </a:r>
+          </a:p>
+        </p:txBody>
+      </p:sp>
+      <p:pic>
+        <p:nvPicPr>
+          <p:cNvPr id="1026" name="Picture 2" descr="image">
+            <a:extLst>
+              <a:ext uri="{FF2B5EF4-FFF2-40B4-BE49-F238E27FC236}">
+                <a16:creationId xmlns:a16="http://schemas.microsoft.com/office/drawing/2014/main" id="{ABB7C742-E5EB-46BC-A9ED-F31A5EBBF1BA}"/>
+              </a:ext>
+            </a:extLst>
+          </p:cNvPr>
+          <p:cNvPicPr>
+            <a:picLocks noChangeAspect="1" noChangeArrowheads="1"/>
+          </p:cNvPicPr>
+          <p:nvPr/>
+        </p:nvPicPr>
+        <p:blipFill>
+          <a:blip r:embed="rId2">
+            <a:extLst>
+              <a:ext uri="{28A0092B-C50C-407E-A947-70E740481C1C}">
+                <a14:useLocalDpi xmlns:a14="http://schemas.microsoft.com/office/drawing/2010/main" val="0"/>
+              </a:ext>
+            </a:extLst>
+          </a:blip>
+          <a:srcRect/>
+          <a:stretch>
+            <a:fillRect/>
+          </a:stretch>
+        </p:blipFill>
+        <p:spPr bwMode="auto">
+          <a:xfrm>
+            <a:off x="7209503" y="727514"/>
+            <a:ext cx="4777986" cy="4777986"/>
+          </a:xfrm>
+          <a:prstGeom prst="rect">
+            <a:avLst/>
+          </a:prstGeom>
+          <a:noFill/>
+          <a:extLst>
+            <a:ext uri="{909E8E84-426E-40DD-AFC4-6F175D3DCCD1}">
+              <a14:hiddenFill xmlns:a14="http://schemas.microsoft.com/office/drawing/2010/main">
+                <a:solidFill>
+                  <a:srgbClr val="FFFFFF"/>
+                </a:solidFill>
+              </a14:hiddenFill>
+            </a:ext>
+          </a:extLst>
+        </p:spPr>
+      </p:pic>
+    </p:spTree>
+    <p:extLst>
+      <p:ext uri="{BB962C8B-B14F-4D97-AF65-F5344CB8AC3E}">
+        <p14:creationId xmlns:p14="http://schemas.microsoft.com/office/powerpoint/2010/main" val="998820788"/>
+      </p:ext>
+    </p:extLst>
+  </p:cSld>
+  <p:clrMapOvr>
+    <a:masterClrMapping/>
+  </p:clrMapOvr>
+</p:sld>
+</file>
+
+<file path=ppt/slides/slide17.xml><?xml version="1.0" encoding="utf-8"?>
+<p:sld xmlns:a="http://schemas.openxmlformats.org/drawingml/2006/main" xmlns:r="http://schemas.openxmlformats.org/officeDocument/2006/relationships" xmlns:p="http://schemas.openxmlformats.org/presentationml/2006/main">
+  <p:cSld>
+    <p:spTree>
+      <p:nvGrpSpPr>
+        <p:cNvPr id="1" name=""/>
+        <p:cNvGrpSpPr/>
+        <p:nvPr/>
+      </p:nvGrpSpPr>
+      <p:grpSpPr>
+        <a:xfrm>
+          <a:off x="0" y="0"/>
+          <a:ext cx="0" cy="0"/>
+          <a:chOff x="0" y="0"/>
+          <a:chExt cx="0" cy="0"/>
+        </a:xfrm>
+      </p:grpSpPr>
+      <p:sp>
+        <p:nvSpPr>
+          <p:cNvPr id="2" name="Title 1">
+            <a:extLst>
+              <a:ext uri="{FF2B5EF4-FFF2-40B4-BE49-F238E27FC236}">
                 <a16:creationId xmlns:a16="http://schemas.microsoft.com/office/drawing/2014/main" id="{057F06F2-AC3E-484E-9926-59D4F59092CE}"/>
               </a:ext>
             </a:extLst>
@@ -3817,26 +3958,7 @@
             <a:pPr lvl="1"/>
             <a:r>
               <a:rPr lang="en-US" dirty="0"/>
-              <a:t>Engineering design</a:t>
-            </a:r>
-          </a:p>
-          <a:p>
-            <a:pPr lvl="1"/>
-            <a:r>
-              <a:rPr lang="en-US" dirty="0"/>
-              <a:t>Design Problem</a:t>
-            </a:r>
-            <a:r>
-              <a:rPr lang="en-US" dirty="0">
-                <a:solidFill>
-                  <a:schemeClr val="accent1"/>
-                </a:solidFill>
-              </a:rPr>
-              <a:t>:</a:t>
-            </a:r>
-            <a:r>
-              <a:rPr lang="en-US" dirty="0"/>
-              <a:t> Forward Kinematics</a:t>
+              <a:t>Midterm Review</a:t>
             </a:r>
           </a:p>
         </p:txBody>
